--- a/Indywidualny projekt programistyczny Sebastian Mielczarek.pptx
+++ b/Indywidualny projekt programistyczny Sebastian Mielczarek.pptx
@@ -5,18 +5,19 @@
     <p:sldMasterId id="2147483648" r:id="rId4"/>
   </p:sldMasterIdLst>
   <p:notesMasterIdLst>
-    <p:notesMasterId r:id="rId11"/>
+    <p:notesMasterId r:id="rId12"/>
   </p:notesMasterIdLst>
   <p:handoutMasterIdLst>
-    <p:handoutMasterId r:id="rId12"/>
+    <p:handoutMasterId r:id="rId13"/>
   </p:handoutMasterIdLst>
   <p:sldIdLst>
     <p:sldId id="256" r:id="rId5"/>
     <p:sldId id="265" r:id="rId6"/>
     <p:sldId id="266" r:id="rId7"/>
-    <p:sldId id="267" r:id="rId8"/>
-    <p:sldId id="269" r:id="rId9"/>
-    <p:sldId id="270" r:id="rId10"/>
+    <p:sldId id="269" r:id="rId8"/>
+    <p:sldId id="271" r:id="rId9"/>
+    <p:sldId id="272" r:id="rId10"/>
+    <p:sldId id="270" r:id="rId11"/>
   </p:sldIdLst>
   <p:sldSz cx="12192000" cy="6858000"/>
   <p:notesSz cx="6858000" cy="9144000"/>
@@ -1723,6 +1724,80 @@
         </a:p>
       </dgm:t>
     </dgm:pt>
+    <dgm:pt modelId="{36D621FC-B52F-4B9D-81A3-08070A381C94}">
+      <dgm:prSet/>
+      <dgm:spPr/>
+      <dgm:t>
+        <a:bodyPr/>
+        <a:lstStyle/>
+        <a:p>
+          <a:r>
+            <a:rPr lang="pl-PL" dirty="0" smtClean="0"/>
+            <a:t>Dodanie kolejnych algorytmów</a:t>
+          </a:r>
+          <a:endParaRPr lang="pl-PL" dirty="0"/>
+        </a:p>
+      </dgm:t>
+    </dgm:pt>
+    <dgm:pt modelId="{9B068341-FF9E-4A21-ACE6-572FDACA57A0}" type="parTrans" cxnId="{91058B94-FABE-4FFD-A2D3-378294544DD8}">
+      <dgm:prSet/>
+      <dgm:spPr/>
+      <dgm:t>
+        <a:bodyPr/>
+        <a:lstStyle/>
+        <a:p>
+          <a:endParaRPr lang="pl-PL"/>
+        </a:p>
+      </dgm:t>
+    </dgm:pt>
+    <dgm:pt modelId="{D63FCB5F-4750-4750-A339-FF3954E6FA71}" type="sibTrans" cxnId="{91058B94-FABE-4FFD-A2D3-378294544DD8}">
+      <dgm:prSet/>
+      <dgm:spPr/>
+      <dgm:t>
+        <a:bodyPr/>
+        <a:lstStyle/>
+        <a:p>
+          <a:endParaRPr lang="pl-PL"/>
+        </a:p>
+      </dgm:t>
+    </dgm:pt>
+    <dgm:pt modelId="{3387A1AF-1EBE-4108-8721-EF183EAF2E1E}">
+      <dgm:prSet/>
+      <dgm:spPr/>
+      <dgm:t>
+        <a:bodyPr/>
+        <a:lstStyle/>
+        <a:p>
+          <a:r>
+            <a:rPr lang="pl-PL" dirty="0" smtClean="0"/>
+            <a:t>Dodanie dodatkowych informacji o algorytmach</a:t>
+          </a:r>
+          <a:endParaRPr lang="pl-PL" dirty="0"/>
+        </a:p>
+      </dgm:t>
+    </dgm:pt>
+    <dgm:pt modelId="{A65EF6D9-C69E-4F7B-80D1-2A35132A62EF}" type="parTrans" cxnId="{C5ACDE9A-E5B2-4365-9164-09D8A29F70BA}">
+      <dgm:prSet/>
+      <dgm:spPr/>
+      <dgm:t>
+        <a:bodyPr/>
+        <a:lstStyle/>
+        <a:p>
+          <a:endParaRPr lang="pl-PL"/>
+        </a:p>
+      </dgm:t>
+    </dgm:pt>
+    <dgm:pt modelId="{FE3B26DD-8E20-4728-B72B-497B40BBBF89}" type="sibTrans" cxnId="{C5ACDE9A-E5B2-4365-9164-09D8A29F70BA}">
+      <dgm:prSet/>
+      <dgm:spPr/>
+      <dgm:t>
+        <a:bodyPr/>
+        <a:lstStyle/>
+        <a:p>
+          <a:endParaRPr lang="pl-PL"/>
+        </a:p>
+      </dgm:t>
+    </dgm:pt>
     <dgm:pt modelId="{22D8E0AF-322E-4A8E-BC3C-6E9E9A51F58F}" type="pres">
       <dgm:prSet presAssocID="{C53CC6D8-DEFC-45FD-8207-E1ECCC27EA85}" presName="Name0" presStyleCnt="0">
         <dgm:presLayoutVars>
@@ -1758,7 +1833,7 @@
       </dgm:t>
     </dgm:pt>
     <dgm:pt modelId="{1B1F80F4-E9A5-4A99-A630-6548067B7CB5}" type="pres">
-      <dgm:prSet presAssocID="{995C4470-49EF-4BD9-B00A-AD612181AB58}" presName="parTrans" presStyleLbl="sibTrans2D1" presStyleIdx="0" presStyleCnt="14"/>
+      <dgm:prSet presAssocID="{995C4470-49EF-4BD9-B00A-AD612181AB58}" presName="parTrans" presStyleLbl="sibTrans2D1" presStyleIdx="0" presStyleCnt="16"/>
       <dgm:spPr/>
       <dgm:t>
         <a:bodyPr rtlCol="0"/>
@@ -1770,7 +1845,7 @@
       </dgm:t>
     </dgm:pt>
     <dgm:pt modelId="{85447532-8740-4202-B6A5-AE63748B9291}" type="pres">
-      <dgm:prSet presAssocID="{CD410504-9F7F-47AE-B46E-CE985680360F}" presName="child" presStyleLbl="alignAccFollowNode1" presStyleIdx="0" presStyleCnt="14">
+      <dgm:prSet presAssocID="{CD410504-9F7F-47AE-B46E-CE985680360F}" presName="child" presStyleLbl="alignAccFollowNode1" presStyleIdx="0" presStyleCnt="16">
         <dgm:presLayoutVars>
           <dgm:chMax val="0"/>
           <dgm:bulletEnabled val="1"/>
@@ -1787,7 +1862,7 @@
       </dgm:t>
     </dgm:pt>
     <dgm:pt modelId="{7CAEA63C-96B5-40D4-900F-409598FDB0C1}" type="pres">
-      <dgm:prSet presAssocID="{2B847D36-6E88-4DD3-AABD-579C99426233}" presName="sibTrans" presStyleLbl="sibTrans2D1" presStyleIdx="1" presStyleCnt="14"/>
+      <dgm:prSet presAssocID="{2B847D36-6E88-4DD3-AABD-579C99426233}" presName="sibTrans" presStyleLbl="sibTrans2D1" presStyleIdx="1" presStyleCnt="16"/>
       <dgm:spPr/>
       <dgm:t>
         <a:bodyPr rtlCol="0"/>
@@ -1799,7 +1874,7 @@
       </dgm:t>
     </dgm:pt>
     <dgm:pt modelId="{459BBFF8-CE50-41AE-9B5E-F6026BBE4F45}" type="pres">
-      <dgm:prSet presAssocID="{C4FF5CFA-9CEF-4C34-984A-CC28F232798F}" presName="child" presStyleLbl="alignAccFollowNode1" presStyleIdx="1" presStyleCnt="14" custScaleY="177938">
+      <dgm:prSet presAssocID="{C4FF5CFA-9CEF-4C34-984A-CC28F232798F}" presName="child" presStyleLbl="alignAccFollowNode1" presStyleIdx="1" presStyleCnt="16" custScaleY="177938">
         <dgm:presLayoutVars>
           <dgm:chMax val="0"/>
           <dgm:bulletEnabled val="1"/>
@@ -1836,7 +1911,7 @@
       </dgm:t>
     </dgm:pt>
     <dgm:pt modelId="{C8CE6287-76AA-46C4-B478-0F9183DE6118}" type="pres">
-      <dgm:prSet presAssocID="{F342D04F-4D11-41CC-AB66-36041A902B44}" presName="parTrans" presStyleLbl="sibTrans2D1" presStyleIdx="2" presStyleCnt="14"/>
+      <dgm:prSet presAssocID="{F342D04F-4D11-41CC-AB66-36041A902B44}" presName="parTrans" presStyleLbl="sibTrans2D1" presStyleIdx="2" presStyleCnt="16"/>
       <dgm:spPr/>
       <dgm:t>
         <a:bodyPr rtlCol="0"/>
@@ -1848,7 +1923,7 @@
       </dgm:t>
     </dgm:pt>
     <dgm:pt modelId="{F7AA6D3E-BCE0-4C06-B101-080DA85DCB01}" type="pres">
-      <dgm:prSet presAssocID="{5CBEC7DD-A25D-4956-9A65-6EA385F6FCB5}" presName="child" presStyleLbl="alignAccFollowNode1" presStyleIdx="2" presStyleCnt="14" custScaleY="291101">
+      <dgm:prSet presAssocID="{5CBEC7DD-A25D-4956-9A65-6EA385F6FCB5}" presName="child" presStyleLbl="alignAccFollowNode1" presStyleIdx="2" presStyleCnt="16" custScaleY="291101">
         <dgm:presLayoutVars>
           <dgm:chMax val="0"/>
           <dgm:bulletEnabled val="1"/>
@@ -1865,7 +1940,7 @@
       </dgm:t>
     </dgm:pt>
     <dgm:pt modelId="{DDA5CBC7-AA05-481A-A03A-3964C1BBBB5A}" type="pres">
-      <dgm:prSet presAssocID="{BD0F67B1-39E4-45ED-9534-FB8F89E8EEF6}" presName="sibTrans" presStyleLbl="sibTrans2D1" presStyleIdx="3" presStyleCnt="14"/>
+      <dgm:prSet presAssocID="{BD0F67B1-39E4-45ED-9534-FB8F89E8EEF6}" presName="sibTrans" presStyleLbl="sibTrans2D1" presStyleIdx="3" presStyleCnt="16"/>
       <dgm:spPr/>
       <dgm:t>
         <a:bodyPr rtlCol="0"/>
@@ -1877,7 +1952,7 @@
       </dgm:t>
     </dgm:pt>
     <dgm:pt modelId="{73DBFA1A-3823-4209-9CD6-DBDD456F39FB}" type="pres">
-      <dgm:prSet presAssocID="{33BF0E2A-2B00-40A5-832E-FC800DCA5982}" presName="child" presStyleLbl="alignAccFollowNode1" presStyleIdx="3" presStyleCnt="14" custScaleY="182883">
+      <dgm:prSet presAssocID="{33BF0E2A-2B00-40A5-832E-FC800DCA5982}" presName="child" presStyleLbl="alignAccFollowNode1" presStyleIdx="3" presStyleCnt="16" custScaleY="182883">
         <dgm:presLayoutVars>
           <dgm:chMax val="0"/>
           <dgm:bulletEnabled val="1"/>
@@ -1894,7 +1969,7 @@
       </dgm:t>
     </dgm:pt>
     <dgm:pt modelId="{E7F7C4A8-2F3A-49BA-B2E4-CF48FCA5D8D8}" type="pres">
-      <dgm:prSet presAssocID="{E373698D-1356-47A7-A591-B72BFE77C3D1}" presName="sibTrans" presStyleLbl="sibTrans2D1" presStyleIdx="4" presStyleCnt="14"/>
+      <dgm:prSet presAssocID="{E373698D-1356-47A7-A591-B72BFE77C3D1}" presName="sibTrans" presStyleLbl="sibTrans2D1" presStyleIdx="4" presStyleCnt="16"/>
       <dgm:spPr/>
       <dgm:t>
         <a:bodyPr rtlCol="0"/>
@@ -1906,7 +1981,7 @@
       </dgm:t>
     </dgm:pt>
     <dgm:pt modelId="{68423B8C-DD55-4C1A-86D3-87118415FFA7}" type="pres">
-      <dgm:prSet presAssocID="{CAE20587-4D50-4B6B-A17D-199722D630E2}" presName="child" presStyleLbl="alignAccFollowNode1" presStyleIdx="4" presStyleCnt="14" custScaleY="182883">
+      <dgm:prSet presAssocID="{CAE20587-4D50-4B6B-A17D-199722D630E2}" presName="child" presStyleLbl="alignAccFollowNode1" presStyleIdx="4" presStyleCnt="16" custScaleY="182883">
         <dgm:presLayoutVars>
           <dgm:chMax val="0"/>
           <dgm:bulletEnabled val="1"/>
@@ -1943,7 +2018,7 @@
       </dgm:t>
     </dgm:pt>
     <dgm:pt modelId="{BF9CEF10-4726-4D20-AC2F-85DE706D0D00}" type="pres">
-      <dgm:prSet presAssocID="{403B4542-B2F8-496D-BBEA-3A684B1106F9}" presName="parTrans" presStyleLbl="sibTrans2D1" presStyleIdx="5" presStyleCnt="14"/>
+      <dgm:prSet presAssocID="{403B4542-B2F8-496D-BBEA-3A684B1106F9}" presName="parTrans" presStyleLbl="sibTrans2D1" presStyleIdx="5" presStyleCnt="16"/>
       <dgm:spPr/>
       <dgm:t>
         <a:bodyPr rtlCol="0"/>
@@ -1955,7 +2030,7 @@
       </dgm:t>
     </dgm:pt>
     <dgm:pt modelId="{C1386769-D313-4B62-9BE9-A84DD636105E}" type="pres">
-      <dgm:prSet presAssocID="{038F6A6A-232A-44A4-9628-ADFA8F068F81}" presName="child" presStyleLbl="alignAccFollowNode1" presStyleIdx="5" presStyleCnt="14" custScaleY="178418">
+      <dgm:prSet presAssocID="{038F6A6A-232A-44A4-9628-ADFA8F068F81}" presName="child" presStyleLbl="alignAccFollowNode1" presStyleIdx="5" presStyleCnt="16" custScaleY="178418">
         <dgm:presLayoutVars>
           <dgm:chMax val="0"/>
           <dgm:bulletEnabled val="1"/>
@@ -1972,7 +2047,7 @@
       </dgm:t>
     </dgm:pt>
     <dgm:pt modelId="{0C1CAC8B-CC80-49DA-9707-021AB163C55F}" type="pres">
-      <dgm:prSet presAssocID="{ABE7D012-6867-48DA-AF76-FDB8ECBB944D}" presName="sibTrans" presStyleLbl="sibTrans2D1" presStyleIdx="6" presStyleCnt="14"/>
+      <dgm:prSet presAssocID="{ABE7D012-6867-48DA-AF76-FDB8ECBB944D}" presName="sibTrans" presStyleLbl="sibTrans2D1" presStyleIdx="6" presStyleCnt="16"/>
       <dgm:spPr/>
       <dgm:t>
         <a:bodyPr rtlCol="0"/>
@@ -1984,7 +2059,7 @@
       </dgm:t>
     </dgm:pt>
     <dgm:pt modelId="{2985E292-795D-4403-BD7F-3A17BE0B21A7}" type="pres">
-      <dgm:prSet presAssocID="{15982A38-A73B-4943-B138-EA0EAB77BC29}" presName="child" presStyleLbl="alignAccFollowNode1" presStyleIdx="6" presStyleCnt="14" custScaleY="142714">
+      <dgm:prSet presAssocID="{15982A38-A73B-4943-B138-EA0EAB77BC29}" presName="child" presStyleLbl="alignAccFollowNode1" presStyleIdx="6" presStyleCnt="16" custScaleY="142714">
         <dgm:presLayoutVars>
           <dgm:chMax val="0"/>
           <dgm:bulletEnabled val="1"/>
@@ -2021,7 +2096,7 @@
       </dgm:t>
     </dgm:pt>
     <dgm:pt modelId="{E31C91BC-3A8F-4AC7-8DBF-330AFF31351C}" type="pres">
-      <dgm:prSet presAssocID="{525F31A2-90BB-4E18-B1F5-10D38B8099D9}" presName="parTrans" presStyleLbl="sibTrans2D1" presStyleIdx="7" presStyleCnt="14"/>
+      <dgm:prSet presAssocID="{525F31A2-90BB-4E18-B1F5-10D38B8099D9}" presName="parTrans" presStyleLbl="sibTrans2D1" presStyleIdx="7" presStyleCnt="16"/>
       <dgm:spPr/>
       <dgm:t>
         <a:bodyPr rtlCol="0"/>
@@ -2033,7 +2108,7 @@
       </dgm:t>
     </dgm:pt>
     <dgm:pt modelId="{AC28A259-E8AB-491C-9FF1-41516FA5BC71}" type="pres">
-      <dgm:prSet presAssocID="{63746B76-9534-4F4F-B65B-B8A9AACC03F9}" presName="child" presStyleLbl="alignAccFollowNode1" presStyleIdx="7" presStyleCnt="14" custScaleY="138249">
+      <dgm:prSet presAssocID="{63746B76-9534-4F4F-B65B-B8A9AACC03F9}" presName="child" presStyleLbl="alignAccFollowNode1" presStyleIdx="7" presStyleCnt="16" custScaleY="138249">
         <dgm:presLayoutVars>
           <dgm:chMax val="0"/>
           <dgm:bulletEnabled val="1"/>
@@ -2050,7 +2125,7 @@
       </dgm:t>
     </dgm:pt>
     <dgm:pt modelId="{DF54C50F-225E-47E8-9EC4-AAA209AD28CA}" type="pres">
-      <dgm:prSet presAssocID="{A9C1E709-4F9E-4AAB-BB7C-51A08921302E}" presName="sibTrans" presStyleLbl="sibTrans2D1" presStyleIdx="8" presStyleCnt="14"/>
+      <dgm:prSet presAssocID="{A9C1E709-4F9E-4AAB-BB7C-51A08921302E}" presName="sibTrans" presStyleLbl="sibTrans2D1" presStyleIdx="8" presStyleCnt="16"/>
       <dgm:spPr/>
       <dgm:t>
         <a:bodyPr rtlCol="0"/>
@@ -2062,7 +2137,7 @@
       </dgm:t>
     </dgm:pt>
     <dgm:pt modelId="{75889BA5-DC82-4D41-8983-B2EE794BC078}" type="pres">
-      <dgm:prSet presAssocID="{5CB20C1A-D92D-4DED-BB1B-D113E2006C55}" presName="child" presStyleLbl="alignAccFollowNode1" presStyleIdx="8" presStyleCnt="14" custScaleY="142713">
+      <dgm:prSet presAssocID="{5CB20C1A-D92D-4DED-BB1B-D113E2006C55}" presName="child" presStyleLbl="alignAccFollowNode1" presStyleIdx="8" presStyleCnt="16" custScaleY="142713">
         <dgm:presLayoutVars>
           <dgm:chMax val="0"/>
           <dgm:bulletEnabled val="1"/>
@@ -2098,7 +2173,7 @@
       </dgm:t>
     </dgm:pt>
     <dgm:pt modelId="{7E98B539-DDD3-483A-A6DD-7640F8E4CC3C}" type="pres">
-      <dgm:prSet presAssocID="{E1C1119E-F416-47ED-8CFB-6DD2AD74EDEB}" presName="parTrans" presStyleLbl="sibTrans2D1" presStyleIdx="9" presStyleCnt="14"/>
+      <dgm:prSet presAssocID="{E1C1119E-F416-47ED-8CFB-6DD2AD74EDEB}" presName="parTrans" presStyleLbl="sibTrans2D1" presStyleIdx="9" presStyleCnt="16"/>
       <dgm:spPr/>
       <dgm:t>
         <a:bodyPr/>
@@ -2109,7 +2184,7 @@
       </dgm:t>
     </dgm:pt>
     <dgm:pt modelId="{254CC8EE-2980-40B9-9468-F9701058E6D8}" type="pres">
-      <dgm:prSet presAssocID="{1E48EA08-A1A7-447F-8501-C8BD3482AE80}" presName="child" presStyleLbl="alignAccFollowNode1" presStyleIdx="9" presStyleCnt="14" custScaleY="295086">
+      <dgm:prSet presAssocID="{1E48EA08-A1A7-447F-8501-C8BD3482AE80}" presName="child" presStyleLbl="alignAccFollowNode1" presStyleIdx="9" presStyleCnt="16" custScaleY="295086">
         <dgm:presLayoutVars>
           <dgm:chMax val="0"/>
           <dgm:bulletEnabled val="1"/>
@@ -2125,7 +2200,7 @@
       </dgm:t>
     </dgm:pt>
     <dgm:pt modelId="{AFD64CFC-150A-481C-BBB9-1DABF650EEB0}" type="pres">
-      <dgm:prSet presAssocID="{8E92AE7B-6978-459C-94DA-9B5EAE5EA637}" presName="sibTrans" presStyleLbl="sibTrans2D1" presStyleIdx="10" presStyleCnt="14"/>
+      <dgm:prSet presAssocID="{8E92AE7B-6978-459C-94DA-9B5EAE5EA637}" presName="sibTrans" presStyleLbl="sibTrans2D1" presStyleIdx="10" presStyleCnt="16"/>
       <dgm:spPr/>
       <dgm:t>
         <a:bodyPr/>
@@ -2136,7 +2211,34 @@
       </dgm:t>
     </dgm:pt>
     <dgm:pt modelId="{41266BEA-E141-49CB-A33C-9992087CA0AC}" type="pres">
-      <dgm:prSet presAssocID="{30F2AAC2-A2DA-4A3C-949B-06230166176E}" presName="child" presStyleLbl="alignAccFollowNode1" presStyleIdx="10" presStyleCnt="14" custScaleY="142713">
+      <dgm:prSet presAssocID="{30F2AAC2-A2DA-4A3C-949B-06230166176E}" presName="child" presStyleLbl="alignAccFollowNode1" presStyleIdx="10" presStyleCnt="16" custScaleY="142713">
+        <dgm:presLayoutVars>
+          <dgm:chMax val="0"/>
+          <dgm:bulletEnabled val="1"/>
+        </dgm:presLayoutVars>
+      </dgm:prSet>
+      <dgm:spPr/>
+      <dgm:t>
+        <a:bodyPr/>
+        <a:lstStyle/>
+        <a:p>
+          <a:endParaRPr lang="pl-PL"/>
+        </a:p>
+      </dgm:t>
+    </dgm:pt>
+    <dgm:pt modelId="{2375EC10-68F9-4FEB-9611-D9F0E52630E2}" type="pres">
+      <dgm:prSet presAssocID="{C4A3C193-6871-4053-9E20-7C8C1E0C2C90}" presName="sibTrans" presStyleLbl="sibTrans2D1" presStyleIdx="11" presStyleCnt="16"/>
+      <dgm:spPr/>
+      <dgm:t>
+        <a:bodyPr/>
+        <a:lstStyle/>
+        <a:p>
+          <a:endParaRPr lang="pl-PL"/>
+        </a:p>
+      </dgm:t>
+    </dgm:pt>
+    <dgm:pt modelId="{71372246-FC77-4EF1-AA2C-8EB0106CF23C}" type="pres">
+      <dgm:prSet presAssocID="{36D621FC-B52F-4B9D-81A3-08070A381C94}" presName="child" presStyleLbl="alignAccFollowNode1" presStyleIdx="11" presStyleCnt="16">
         <dgm:presLayoutVars>
           <dgm:chMax val="0"/>
           <dgm:bulletEnabled val="1"/>
@@ -2171,7 +2273,7 @@
       </dgm:t>
     </dgm:pt>
     <dgm:pt modelId="{EAA456B4-BE1A-4C50-8866-A021AB3FD88B}" type="pres">
-      <dgm:prSet presAssocID="{044E87FE-1ECF-4818-AD46-C35A1D5C6CF8}" presName="parTrans" presStyleLbl="sibTrans2D1" presStyleIdx="11" presStyleCnt="14"/>
+      <dgm:prSet presAssocID="{044E87FE-1ECF-4818-AD46-C35A1D5C6CF8}" presName="parTrans" presStyleLbl="sibTrans2D1" presStyleIdx="12" presStyleCnt="16"/>
       <dgm:spPr/>
       <dgm:t>
         <a:bodyPr/>
@@ -2182,7 +2284,7 @@
       </dgm:t>
     </dgm:pt>
     <dgm:pt modelId="{A77D9F77-0454-4D6B-98FE-88086145B35F}" type="pres">
-      <dgm:prSet presAssocID="{844C13AE-8A84-4D37-8822-47429396A0FB}" presName="child" presStyleLbl="alignAccFollowNode1" presStyleIdx="11" presStyleCnt="14">
+      <dgm:prSet presAssocID="{844C13AE-8A84-4D37-8822-47429396A0FB}" presName="child" presStyleLbl="alignAccFollowNode1" presStyleIdx="12" presStyleCnt="16">
         <dgm:presLayoutVars>
           <dgm:chMax val="0"/>
           <dgm:bulletEnabled val="1"/>
@@ -2198,7 +2300,7 @@
       </dgm:t>
     </dgm:pt>
     <dgm:pt modelId="{5345EB1C-3216-4752-9044-63A7EBA43AFB}" type="pres">
-      <dgm:prSet presAssocID="{1CDAEC31-C96C-4EAE-AE86-FB10D3CC9382}" presName="sibTrans" presStyleLbl="sibTrans2D1" presStyleIdx="12" presStyleCnt="14"/>
+      <dgm:prSet presAssocID="{1CDAEC31-C96C-4EAE-AE86-FB10D3CC9382}" presName="sibTrans" presStyleLbl="sibTrans2D1" presStyleIdx="13" presStyleCnt="16"/>
       <dgm:spPr/>
       <dgm:t>
         <a:bodyPr/>
@@ -2209,7 +2311,34 @@
       </dgm:t>
     </dgm:pt>
     <dgm:pt modelId="{AE4FABDB-8DF4-48EE-BA68-CF124E20517E}" type="pres">
-      <dgm:prSet presAssocID="{9B9BBB64-0113-4075-BE7D-FC0A7E217A37}" presName="child" presStyleLbl="alignAccFollowNode1" presStyleIdx="12" presStyleCnt="14" custScaleY="138729">
+      <dgm:prSet presAssocID="{9B9BBB64-0113-4075-BE7D-FC0A7E217A37}" presName="child" presStyleLbl="alignAccFollowNode1" presStyleIdx="13" presStyleCnt="16" custScaleY="138729">
+        <dgm:presLayoutVars>
+          <dgm:chMax val="0"/>
+          <dgm:bulletEnabled val="1"/>
+        </dgm:presLayoutVars>
+      </dgm:prSet>
+      <dgm:spPr/>
+      <dgm:t>
+        <a:bodyPr/>
+        <a:lstStyle/>
+        <a:p>
+          <a:endParaRPr lang="pl-PL"/>
+        </a:p>
+      </dgm:t>
+    </dgm:pt>
+    <dgm:pt modelId="{D93A63A1-2452-41A2-BC42-B4413C7157C8}" type="pres">
+      <dgm:prSet presAssocID="{DF520F37-F52A-43AC-9393-F16B09FCCDE6}" presName="sibTrans" presStyleLbl="sibTrans2D1" presStyleIdx="14" presStyleCnt="16"/>
+      <dgm:spPr/>
+      <dgm:t>
+        <a:bodyPr/>
+        <a:lstStyle/>
+        <a:p>
+          <a:endParaRPr lang="pl-PL"/>
+        </a:p>
+      </dgm:t>
+    </dgm:pt>
+    <dgm:pt modelId="{BB910D0D-241B-4731-8DF5-CBE858D99FA5}" type="pres">
+      <dgm:prSet presAssocID="{3387A1AF-1EBE-4108-8721-EF183EAF2E1E}" presName="child" presStyleLbl="alignAccFollowNode1" presStyleIdx="14" presStyleCnt="16" custScaleY="148138">
         <dgm:presLayoutVars>
           <dgm:chMax val="0"/>
           <dgm:bulletEnabled val="1"/>
@@ -2244,7 +2373,7 @@
       </dgm:t>
     </dgm:pt>
     <dgm:pt modelId="{A5E4D3A9-0547-4725-8812-738C7B4B1A0E}" type="pres">
-      <dgm:prSet presAssocID="{A71244FA-46CD-460A-8869-145FB1DC8EE8}" presName="parTrans" presStyleLbl="sibTrans2D1" presStyleIdx="13" presStyleCnt="14"/>
+      <dgm:prSet presAssocID="{A71244FA-46CD-460A-8869-145FB1DC8EE8}" presName="parTrans" presStyleLbl="sibTrans2D1" presStyleIdx="15" presStyleCnt="16"/>
       <dgm:spPr/>
       <dgm:t>
         <a:bodyPr/>
@@ -2255,7 +2384,7 @@
       </dgm:t>
     </dgm:pt>
     <dgm:pt modelId="{D680307E-4806-4FCC-9C80-CB2470F2A761}" type="pres">
-      <dgm:prSet presAssocID="{86B4D238-F65B-4B82-BE80-00CAC20FA7A9}" presName="child" presStyleLbl="alignAccFollowNode1" presStyleIdx="13" presStyleCnt="14" custScaleY="139209">
+      <dgm:prSet presAssocID="{86B4D238-F65B-4B82-BE80-00CAC20FA7A9}" presName="child" presStyleLbl="alignAccFollowNode1" presStyleIdx="15" presStyleCnt="16" custScaleY="139209">
         <dgm:presLayoutVars>
           <dgm:chMax val="0"/>
           <dgm:bulletEnabled val="1"/>
@@ -2279,6 +2408,8 @@
     <dgm:cxn modelId="{7F02F21A-BECD-4B8C-A0ED-2FD37CA7DF1B}" type="presOf" srcId="{A9C1E709-4F9E-4AAB-BB7C-51A08921302E}" destId="{DF54C50F-225E-47E8-9EC4-AAA209AD28CA}" srcOrd="0" destOrd="0" presId="urn:microsoft.com/office/officeart/2005/8/layout/lProcess1"/>
     <dgm:cxn modelId="{C395CD3B-6CAB-43A4-9B56-1446F0174DB4}" type="presOf" srcId="{844C13AE-8A84-4D37-8822-47429396A0FB}" destId="{A77D9F77-0454-4D6B-98FE-88086145B35F}" srcOrd="0" destOrd="0" presId="urn:microsoft.com/office/officeart/2005/8/layout/lProcess1"/>
     <dgm:cxn modelId="{EF22F74F-FD1A-4E31-95EC-8227B5B2A770}" srcId="{C53CC6D8-DEFC-45FD-8207-E1ECCC27EA85}" destId="{4415F1E8-DA5A-491E-8227-BF9FE21700A1}" srcOrd="4" destOrd="0" parTransId="{C1E54544-68DD-44ED-B117-D03F7164B7F7}" sibTransId="{AB916F19-88BB-4A4C-B5F4-3577DF0053C5}"/>
+    <dgm:cxn modelId="{0A5A979C-7235-405A-8633-BD296406A9D0}" type="presOf" srcId="{3387A1AF-1EBE-4108-8721-EF183EAF2E1E}" destId="{BB910D0D-241B-4731-8DF5-CBE858D99FA5}" srcOrd="0" destOrd="0" presId="urn:microsoft.com/office/officeart/2005/8/layout/lProcess1"/>
+    <dgm:cxn modelId="{D3AC058F-1A9B-4C6D-A0B3-6A25A407A5E9}" type="presOf" srcId="{DF520F37-F52A-43AC-9393-F16B09FCCDE6}" destId="{D93A63A1-2452-41A2-BC42-B4413C7157C8}" srcOrd="0" destOrd="0" presId="urn:microsoft.com/office/officeart/2005/8/layout/lProcess1"/>
     <dgm:cxn modelId="{B522739A-4DEE-43CF-9357-A84EF1EEE7ED}" srcId="{41E3B52E-71B8-4BD0-B1ED-D051FFB12506}" destId="{33BF0E2A-2B00-40A5-832E-FC800DCA5982}" srcOrd="1" destOrd="0" parTransId="{F8C31ED9-A2C0-4A09-A419-0AE9A44BB8DF}" sibTransId="{E373698D-1356-47A7-A591-B72BFE77C3D1}"/>
     <dgm:cxn modelId="{0DC50B81-769A-4AC7-8C73-8EF8D8334AA1}" srcId="{EA587102-578B-46F3-8D9E-CEC48527A898}" destId="{038F6A6A-232A-44A4-9628-ADFA8F068F81}" srcOrd="0" destOrd="0" parTransId="{403B4542-B2F8-496D-BBEA-3A684B1106F9}" sibTransId="{ABE7D012-6867-48DA-AF76-FDB8ECBB944D}"/>
     <dgm:cxn modelId="{CAEA814D-FE9C-4BD3-8623-87D2E421CDED}" type="presOf" srcId="{525F31A2-90BB-4E18-B1F5-10D38B8099D9}" destId="{E31C91BC-3A8F-4AC7-8DBF-330AFF31351C}" srcOrd="0" destOrd="0" presId="urn:microsoft.com/office/officeart/2005/8/layout/lProcess1"/>
@@ -2288,6 +2419,7 @@
     <dgm:cxn modelId="{6B045370-B4FF-427A-9929-461476AAE193}" srcId="{516A4DDC-76BD-494E-B503-625555CCBC4A}" destId="{CD410504-9F7F-47AE-B46E-CE985680360F}" srcOrd="0" destOrd="0" parTransId="{995C4470-49EF-4BD9-B00A-AD612181AB58}" sibTransId="{2B847D36-6E88-4DD3-AABD-579C99426233}"/>
     <dgm:cxn modelId="{40E743FD-4072-4389-94B0-B65E89259C6B}" type="presOf" srcId="{5CBEC7DD-A25D-4956-9A65-6EA385F6FCB5}" destId="{F7AA6D3E-BCE0-4C06-B101-080DA85DCB01}" srcOrd="0" destOrd="0" presId="urn:microsoft.com/office/officeart/2005/8/layout/lProcess1"/>
     <dgm:cxn modelId="{9C706988-580C-4829-94E8-BE4491FF0228}" type="presOf" srcId="{995C4470-49EF-4BD9-B00A-AD612181AB58}" destId="{1B1F80F4-E9A5-4A99-A630-6548067B7CB5}" srcOrd="0" destOrd="0" presId="urn:microsoft.com/office/officeart/2005/8/layout/lProcess1"/>
+    <dgm:cxn modelId="{91058B94-FABE-4FFD-A2D3-378294544DD8}" srcId="{4415F1E8-DA5A-491E-8227-BF9FE21700A1}" destId="{36D621FC-B52F-4B9D-81A3-08070A381C94}" srcOrd="2" destOrd="0" parTransId="{9B068341-FF9E-4A21-ACE6-572FDACA57A0}" sibTransId="{D63FCB5F-4750-4750-A339-FF3954E6FA71}"/>
     <dgm:cxn modelId="{9AFC20F2-D5DD-455E-8266-96B58ABE2D49}" type="presOf" srcId="{CAE20587-4D50-4B6B-A17D-199722D630E2}" destId="{68423B8C-DD55-4C1A-86D3-87118415FFA7}" srcOrd="0" destOrd="0" presId="urn:microsoft.com/office/officeart/2005/8/layout/lProcess1"/>
     <dgm:cxn modelId="{D8B46E14-EE50-493C-A469-7E70E63B953B}" type="presOf" srcId="{15982A38-A73B-4943-B138-EA0EAB77BC29}" destId="{2985E292-795D-4403-BD7F-3A17BE0B21A7}" srcOrd="0" destOrd="0" presId="urn:microsoft.com/office/officeart/2005/8/layout/lProcess1"/>
     <dgm:cxn modelId="{52F22FE1-7EED-45AD-978F-DAD9FD1DCAB4}" type="presOf" srcId="{1CDAEC31-C96C-4EAE-AE86-FB10D3CC9382}" destId="{5345EB1C-3216-4752-9044-63A7EBA43AFB}" srcOrd="0" destOrd="0" presId="urn:microsoft.com/office/officeart/2005/8/layout/lProcess1"/>
@@ -2305,10 +2437,13 @@
     <dgm:cxn modelId="{20E91086-4757-4CF3-9C35-102C5A4D0079}" type="presOf" srcId="{403B4542-B2F8-496D-BBEA-3A684B1106F9}" destId="{BF9CEF10-4726-4D20-AC2F-85DE706D0D00}" srcOrd="0" destOrd="0" presId="urn:microsoft.com/office/officeart/2005/8/layout/lProcess1"/>
     <dgm:cxn modelId="{25B66A08-E57F-429F-A076-5691EC284D95}" type="presOf" srcId="{33BF0E2A-2B00-40A5-832E-FC800DCA5982}" destId="{73DBFA1A-3823-4209-9CD6-DBDD456F39FB}" srcOrd="0" destOrd="0" presId="urn:microsoft.com/office/officeart/2005/8/layout/lProcess1"/>
     <dgm:cxn modelId="{73058351-9FAC-4F4F-A5FB-FC365EDF9D02}" type="presOf" srcId="{C53CC6D8-DEFC-45FD-8207-E1ECCC27EA85}" destId="{22D8E0AF-322E-4A8E-BC3C-6E9E9A51F58F}" srcOrd="0" destOrd="0" presId="urn:microsoft.com/office/officeart/2005/8/layout/lProcess1"/>
+    <dgm:cxn modelId="{C5ACDE9A-E5B2-4365-9164-09D8A29F70BA}" srcId="{B9B4843D-858D-4EFF-8ADD-6722856585D8}" destId="{3387A1AF-1EBE-4108-8721-EF183EAF2E1E}" srcOrd="2" destOrd="0" parTransId="{A65EF6D9-C69E-4F7B-80D1-2A35132A62EF}" sibTransId="{FE3B26DD-8E20-4728-B72B-497B40BBBF89}"/>
     <dgm:cxn modelId="{3EF97A2F-4200-46E4-86EB-19980AD436FE}" type="presOf" srcId="{CD410504-9F7F-47AE-B46E-CE985680360F}" destId="{85447532-8740-4202-B6A5-AE63748B9291}" srcOrd="0" destOrd="0" presId="urn:microsoft.com/office/officeart/2005/8/layout/lProcess1"/>
+    <dgm:cxn modelId="{56BC1AE2-F755-4481-A23F-10B6B19B8E6B}" type="presOf" srcId="{C4A3C193-6871-4053-9E20-7C8C1E0C2C90}" destId="{2375EC10-68F9-4FEB-9611-D9F0E52630E2}" srcOrd="0" destOrd="0" presId="urn:microsoft.com/office/officeart/2005/8/layout/lProcess1"/>
     <dgm:cxn modelId="{710659EC-6706-425F-81BB-5F1E070F7D4D}" srcId="{516A4DDC-76BD-494E-B503-625555CCBC4A}" destId="{C4FF5CFA-9CEF-4C34-984A-CC28F232798F}" srcOrd="1" destOrd="0" parTransId="{92813948-C227-4EB2-8530-43003E3CB375}" sibTransId="{B551F8FA-E415-4EE1-BA68-D13E7D2E980B}"/>
     <dgm:cxn modelId="{95C2672F-88C4-4EF3-80EE-DDFF1FF782F0}" type="presOf" srcId="{4415F1E8-DA5A-491E-8227-BF9FE21700A1}" destId="{22B0AB91-9405-4CAC-AE03-BAB1CF85465C}" srcOrd="0" destOrd="0" presId="urn:microsoft.com/office/officeart/2005/8/layout/lProcess1"/>
     <dgm:cxn modelId="{4C0FCDC2-1B02-4F4D-BD0D-A5F4C9929EB8}" srcId="{820B8CB3-073C-4942-8937-0725078D603C}" destId="{86B4D238-F65B-4B82-BE80-00CAC20FA7A9}" srcOrd="0" destOrd="0" parTransId="{A71244FA-46CD-460A-8869-145FB1DC8EE8}" sibTransId="{416C9396-0F49-4B52-B213-5889D7769E99}"/>
+    <dgm:cxn modelId="{A9C2039E-12B4-4D25-9166-2CD8E846B38E}" type="presOf" srcId="{36D621FC-B52F-4B9D-81A3-08070A381C94}" destId="{71372246-FC77-4EF1-AA2C-8EB0106CF23C}" srcOrd="0" destOrd="0" presId="urn:microsoft.com/office/officeart/2005/8/layout/lProcess1"/>
     <dgm:cxn modelId="{CE0F5A49-3CEA-4CFE-99D5-837BF33601DE}" type="presOf" srcId="{B9B4843D-858D-4EFF-8ADD-6722856585D8}" destId="{C2CD01DF-B0AE-4749-BD18-4AD65029A084}" srcOrd="0" destOrd="0" presId="urn:microsoft.com/office/officeart/2005/8/layout/lProcess1"/>
     <dgm:cxn modelId="{0FF6D2F7-E787-4B57-911C-090AA0CBD9AA}" type="presOf" srcId="{63746B76-9534-4F4F-B65B-B8A9AACC03F9}" destId="{AC28A259-E8AB-491C-9FF1-41516FA5BC71}" srcOrd="0" destOrd="0" presId="urn:microsoft.com/office/officeart/2005/8/layout/lProcess1"/>
     <dgm:cxn modelId="{D22C632F-8F8B-48FF-A898-48FD446A5F78}" srcId="{41E3B52E-71B8-4BD0-B1ED-D051FFB12506}" destId="{CAE20587-4D50-4B6B-A17D-199722D630E2}" srcOrd="2" destOrd="0" parTransId="{6CEBC692-6F9A-47B4-948E-5AEB8FCFD251}" sibTransId="{7656320D-CC13-4DD7-8A30-F9FDC84AC6F2}"/>
@@ -2365,6 +2500,8 @@
     <dgm:cxn modelId="{44F86475-0E61-4550-B191-C5610ACCE796}" type="presParOf" srcId="{27E758C9-2B97-425E-B789-816516163E6A}" destId="{254CC8EE-2980-40B9-9468-F9701058E6D8}" srcOrd="2" destOrd="0" presId="urn:microsoft.com/office/officeart/2005/8/layout/lProcess1"/>
     <dgm:cxn modelId="{ACD1D002-2073-4605-ACDB-9F09531B7B25}" type="presParOf" srcId="{27E758C9-2B97-425E-B789-816516163E6A}" destId="{AFD64CFC-150A-481C-BBB9-1DABF650EEB0}" srcOrd="3" destOrd="0" presId="urn:microsoft.com/office/officeart/2005/8/layout/lProcess1"/>
     <dgm:cxn modelId="{642993E1-64F0-4C7A-B993-00573031D12C}" type="presParOf" srcId="{27E758C9-2B97-425E-B789-816516163E6A}" destId="{41266BEA-E141-49CB-A33C-9992087CA0AC}" srcOrd="4" destOrd="0" presId="urn:microsoft.com/office/officeart/2005/8/layout/lProcess1"/>
+    <dgm:cxn modelId="{E8AB602C-4DB0-4912-A26F-A73577B03999}" type="presParOf" srcId="{27E758C9-2B97-425E-B789-816516163E6A}" destId="{2375EC10-68F9-4FEB-9611-D9F0E52630E2}" srcOrd="5" destOrd="0" presId="urn:microsoft.com/office/officeart/2005/8/layout/lProcess1"/>
+    <dgm:cxn modelId="{49524862-5946-450E-BDEB-049073FAFA92}" type="presParOf" srcId="{27E758C9-2B97-425E-B789-816516163E6A}" destId="{71372246-FC77-4EF1-AA2C-8EB0106CF23C}" srcOrd="6" destOrd="0" presId="urn:microsoft.com/office/officeart/2005/8/layout/lProcess1"/>
     <dgm:cxn modelId="{54C51EF5-738F-48E5-98B2-FC7EBA1AD295}" type="presParOf" srcId="{22D8E0AF-322E-4A8E-BC3C-6E9E9A51F58F}" destId="{F54F4298-96EB-4FEB-A62E-B0B660E94F7C}" srcOrd="9" destOrd="0" presId="urn:microsoft.com/office/officeart/2005/8/layout/lProcess1"/>
     <dgm:cxn modelId="{6529A6B0-09A4-4B01-98ED-E033924AC86D}" type="presParOf" srcId="{22D8E0AF-322E-4A8E-BC3C-6E9E9A51F58F}" destId="{057674EF-FAC5-461E-B4E7-BBB797384D31}" srcOrd="10" destOrd="0" presId="urn:microsoft.com/office/officeart/2005/8/layout/lProcess1"/>
     <dgm:cxn modelId="{8F52E1BB-6371-4833-8B27-00F071CDBAD2}" type="presParOf" srcId="{057674EF-FAC5-461E-B4E7-BBB797384D31}" destId="{C2CD01DF-B0AE-4749-BD18-4AD65029A084}" srcOrd="0" destOrd="0" presId="urn:microsoft.com/office/officeart/2005/8/layout/lProcess1"/>
@@ -2372,6 +2509,8 @@
     <dgm:cxn modelId="{B5EDC4D8-84AF-41BC-9C68-EF6254C3E21B}" type="presParOf" srcId="{057674EF-FAC5-461E-B4E7-BBB797384D31}" destId="{A77D9F77-0454-4D6B-98FE-88086145B35F}" srcOrd="2" destOrd="0" presId="urn:microsoft.com/office/officeart/2005/8/layout/lProcess1"/>
     <dgm:cxn modelId="{F9C942CD-8DA9-43C4-8599-8126DC430D63}" type="presParOf" srcId="{057674EF-FAC5-461E-B4E7-BBB797384D31}" destId="{5345EB1C-3216-4752-9044-63A7EBA43AFB}" srcOrd="3" destOrd="0" presId="urn:microsoft.com/office/officeart/2005/8/layout/lProcess1"/>
     <dgm:cxn modelId="{5239AC99-EB12-4485-9CD9-340241073ADC}" type="presParOf" srcId="{057674EF-FAC5-461E-B4E7-BBB797384D31}" destId="{AE4FABDB-8DF4-48EE-BA68-CF124E20517E}" srcOrd="4" destOrd="0" presId="urn:microsoft.com/office/officeart/2005/8/layout/lProcess1"/>
+    <dgm:cxn modelId="{BC63D409-B667-4C28-9416-55163CC2568F}" type="presParOf" srcId="{057674EF-FAC5-461E-B4E7-BBB797384D31}" destId="{D93A63A1-2452-41A2-BC42-B4413C7157C8}" srcOrd="5" destOrd="0" presId="urn:microsoft.com/office/officeart/2005/8/layout/lProcess1"/>
+    <dgm:cxn modelId="{E7FA2136-3F61-4424-AB73-824BDFEA4B65}" type="presParOf" srcId="{057674EF-FAC5-461E-B4E7-BBB797384D31}" destId="{BB910D0D-241B-4731-8DF5-CBE858D99FA5}" srcOrd="6" destOrd="0" presId="urn:microsoft.com/office/officeart/2005/8/layout/lProcess1"/>
     <dgm:cxn modelId="{2B3D96D3-0F63-4AF2-8F24-A3155CE19AF9}" type="presParOf" srcId="{22D8E0AF-322E-4A8E-BC3C-6E9E9A51F58F}" destId="{08B9D6C2-9617-4973-BA95-FBAF8F8D2A74}" srcOrd="11" destOrd="0" presId="urn:microsoft.com/office/officeart/2005/8/layout/lProcess1"/>
     <dgm:cxn modelId="{29284F51-F2BE-403B-927E-16029C1D41F4}" type="presParOf" srcId="{22D8E0AF-322E-4A8E-BC3C-6E9E9A51F58F}" destId="{EA17D68A-D1C1-4C61-9C15-13B27E12B2A0}" srcOrd="12" destOrd="0" presId="urn:microsoft.com/office/officeart/2005/8/layout/lProcess1"/>
     <dgm:cxn modelId="{368C5D83-85F5-4469-8E07-126ECCE3DFAE}" type="presParOf" srcId="{EA17D68A-D1C1-4C61-9C15-13B27E12B2A0}" destId="{9918C7D0-AED3-4926-B47E-0D5FD3CC18D7}" srcOrd="0" destOrd="0" presId="urn:microsoft.com/office/officeart/2005/8/layout/lProcess1"/>
@@ -4650,6 +4789,165 @@
         <a:ext cx="1438501" cy="493481"/>
       </dsp:txXfrm>
     </dsp:sp>
+    <dsp:sp modelId="{2375EC10-68F9-4FEB-9611-D9F0E52630E2}">
+      <dsp:nvSpPr>
+        <dsp:cNvPr id="0" name=""/>
+        <dsp:cNvSpPr/>
+      </dsp:nvSpPr>
+      <dsp:spPr>
+        <a:xfrm rot="5400000">
+          <a:off x="7403397" y="2843361"/>
+          <a:ext cx="64277" cy="64277"/>
+        </a:xfrm>
+        <a:prstGeom prst="rightArrow">
+          <a:avLst>
+            <a:gd name="adj1" fmla="val 66700"/>
+            <a:gd name="adj2" fmla="val 50000"/>
+          </a:avLst>
+        </a:prstGeom>
+        <a:gradFill rotWithShape="0">
+          <a:gsLst>
+            <a:gs pos="0">
+              <a:schemeClr val="accent1">
+                <a:tint val="60000"/>
+                <a:hueOff val="0"/>
+                <a:satOff val="0"/>
+                <a:lumOff val="0"/>
+                <a:alphaOff val="0"/>
+                <a:satMod val="103000"/>
+                <a:lumMod val="102000"/>
+                <a:tint val="94000"/>
+              </a:schemeClr>
+            </a:gs>
+            <a:gs pos="50000">
+              <a:schemeClr val="accent1">
+                <a:tint val="60000"/>
+                <a:hueOff val="0"/>
+                <a:satOff val="0"/>
+                <a:lumOff val="0"/>
+                <a:alphaOff val="0"/>
+                <a:satMod val="110000"/>
+                <a:lumMod val="100000"/>
+                <a:shade val="100000"/>
+              </a:schemeClr>
+            </a:gs>
+            <a:gs pos="100000">
+              <a:schemeClr val="accent1">
+                <a:tint val="60000"/>
+                <a:hueOff val="0"/>
+                <a:satOff val="0"/>
+                <a:lumOff val="0"/>
+                <a:alphaOff val="0"/>
+                <a:lumMod val="99000"/>
+                <a:satMod val="120000"/>
+                <a:shade val="78000"/>
+              </a:schemeClr>
+            </a:gs>
+          </a:gsLst>
+          <a:lin ang="5400000" scaled="0"/>
+        </a:gradFill>
+        <a:ln>
+          <a:noFill/>
+        </a:ln>
+        <a:effectLst/>
+      </dsp:spPr>
+      <dsp:style>
+        <a:lnRef idx="0">
+          <a:scrgbClr r="0" g="0" b="0"/>
+        </a:lnRef>
+        <a:fillRef idx="3">
+          <a:scrgbClr r="0" g="0" b="0"/>
+        </a:fillRef>
+        <a:effectRef idx="2">
+          <a:scrgbClr r="0" g="0" b="0"/>
+        </a:effectRef>
+        <a:fontRef idx="minor">
+          <a:schemeClr val="lt1"/>
+        </a:fontRef>
+      </dsp:style>
+    </dsp:sp>
+    <dsp:sp modelId="{71372246-FC77-4EF1-AA2C-8EB0106CF23C}">
+      <dsp:nvSpPr>
+        <dsp:cNvPr id="0" name=""/>
+        <dsp:cNvSpPr/>
+      </dsp:nvSpPr>
+      <dsp:spPr>
+        <a:xfrm>
+          <a:off x="6700932" y="2939777"/>
+          <a:ext cx="1469207" cy="367301"/>
+        </a:xfrm>
+        <a:prstGeom prst="roundRect">
+          <a:avLst>
+            <a:gd name="adj" fmla="val 10000"/>
+          </a:avLst>
+        </a:prstGeom>
+        <a:solidFill>
+          <a:schemeClr val="accent1">
+            <a:alpha val="90000"/>
+            <a:tint val="40000"/>
+            <a:hueOff val="0"/>
+            <a:satOff val="0"/>
+            <a:lumOff val="0"/>
+            <a:alphaOff val="0"/>
+          </a:schemeClr>
+        </a:solidFill>
+        <a:ln w="6350" cap="flat" cmpd="sng" algn="ctr">
+          <a:solidFill>
+            <a:schemeClr val="accent1">
+              <a:alpha val="90000"/>
+              <a:tint val="40000"/>
+              <a:hueOff val="0"/>
+              <a:satOff val="0"/>
+              <a:lumOff val="0"/>
+              <a:alphaOff val="0"/>
+            </a:schemeClr>
+          </a:solidFill>
+          <a:prstDash val="solid"/>
+          <a:miter lim="800000"/>
+        </a:ln>
+        <a:effectLst/>
+      </dsp:spPr>
+      <dsp:style>
+        <a:lnRef idx="1">
+          <a:scrgbClr r="0" g="0" b="0"/>
+        </a:lnRef>
+        <a:fillRef idx="1">
+          <a:scrgbClr r="0" g="0" b="0"/>
+        </a:fillRef>
+        <a:effectRef idx="0">
+          <a:scrgbClr r="0" g="0" b="0"/>
+        </a:effectRef>
+        <a:fontRef idx="minor"/>
+      </dsp:style>
+      <dsp:txBody>
+        <a:bodyPr spcFirstLastPara="0" vert="horz" wrap="square" lIns="13970" tIns="13970" rIns="13970" bIns="13970" numCol="1" spcCol="1270" anchor="ctr" anchorCtr="0">
+          <a:noAutofit/>
+        </a:bodyPr>
+        <a:lstStyle/>
+        <a:p>
+          <a:pPr lvl="0" algn="ctr" defTabSz="488950">
+            <a:lnSpc>
+              <a:spcPct val="90000"/>
+            </a:lnSpc>
+            <a:spcBef>
+              <a:spcPct val="0"/>
+            </a:spcBef>
+            <a:spcAft>
+              <a:spcPct val="35000"/>
+            </a:spcAft>
+          </a:pPr>
+          <a:r>
+            <a:rPr lang="pl-PL" sz="1100" kern="1200" dirty="0" smtClean="0"/>
+            <a:t>Dodanie kolejnych algorytmów</a:t>
+          </a:r>
+          <a:endParaRPr lang="pl-PL" sz="1100" kern="1200" dirty="0"/>
+        </a:p>
+      </dsp:txBody>
+      <dsp:txXfrm>
+        <a:off x="6711690" y="2950535"/>
+        <a:ext cx="1447691" cy="345785"/>
+      </dsp:txXfrm>
+    </dsp:sp>
     <dsp:sp modelId="{C2CD01DF-B0AE-4749-BD18-4AD65029A084}">
       <dsp:nvSpPr>
         <dsp:cNvPr id="0" name=""/>
@@ -5067,6 +5365,165 @@
       <dsp:txXfrm>
         <a:off x="8390752" y="1585404"/>
         <a:ext cx="1439359" cy="479706"/>
+      </dsp:txXfrm>
+    </dsp:sp>
+    <dsp:sp modelId="{D93A63A1-2452-41A2-BC42-B4413C7157C8}">
+      <dsp:nvSpPr>
+        <dsp:cNvPr id="0" name=""/>
+        <dsp:cNvSpPr/>
+      </dsp:nvSpPr>
+      <dsp:spPr>
+        <a:xfrm rot="5400000">
+          <a:off x="9078293" y="2112173"/>
+          <a:ext cx="64277" cy="64277"/>
+        </a:xfrm>
+        <a:prstGeom prst="rightArrow">
+          <a:avLst>
+            <a:gd name="adj1" fmla="val 66700"/>
+            <a:gd name="adj2" fmla="val 50000"/>
+          </a:avLst>
+        </a:prstGeom>
+        <a:gradFill rotWithShape="0">
+          <a:gsLst>
+            <a:gs pos="0">
+              <a:schemeClr val="accent1">
+                <a:tint val="60000"/>
+                <a:hueOff val="0"/>
+                <a:satOff val="0"/>
+                <a:lumOff val="0"/>
+                <a:alphaOff val="0"/>
+                <a:satMod val="103000"/>
+                <a:lumMod val="102000"/>
+                <a:tint val="94000"/>
+              </a:schemeClr>
+            </a:gs>
+            <a:gs pos="50000">
+              <a:schemeClr val="accent1">
+                <a:tint val="60000"/>
+                <a:hueOff val="0"/>
+                <a:satOff val="0"/>
+                <a:lumOff val="0"/>
+                <a:alphaOff val="0"/>
+                <a:satMod val="110000"/>
+                <a:lumMod val="100000"/>
+                <a:shade val="100000"/>
+              </a:schemeClr>
+            </a:gs>
+            <a:gs pos="100000">
+              <a:schemeClr val="accent1">
+                <a:tint val="60000"/>
+                <a:hueOff val="0"/>
+                <a:satOff val="0"/>
+                <a:lumOff val="0"/>
+                <a:alphaOff val="0"/>
+                <a:lumMod val="99000"/>
+                <a:satMod val="120000"/>
+                <a:shade val="78000"/>
+              </a:schemeClr>
+            </a:gs>
+          </a:gsLst>
+          <a:lin ang="5400000" scaled="0"/>
+        </a:gradFill>
+        <a:ln>
+          <a:noFill/>
+        </a:ln>
+        <a:effectLst/>
+      </dsp:spPr>
+      <dsp:style>
+        <a:lnRef idx="0">
+          <a:scrgbClr r="0" g="0" b="0"/>
+        </a:lnRef>
+        <a:fillRef idx="3">
+          <a:scrgbClr r="0" g="0" b="0"/>
+        </a:fillRef>
+        <a:effectRef idx="2">
+          <a:scrgbClr r="0" g="0" b="0"/>
+        </a:effectRef>
+        <a:fontRef idx="minor">
+          <a:schemeClr val="lt1"/>
+        </a:fontRef>
+      </dsp:style>
+    </dsp:sp>
+    <dsp:sp modelId="{BB910D0D-241B-4731-8DF5-CBE858D99FA5}">
+      <dsp:nvSpPr>
+        <dsp:cNvPr id="0" name=""/>
+        <dsp:cNvSpPr/>
+      </dsp:nvSpPr>
+      <dsp:spPr>
+        <a:xfrm>
+          <a:off x="8375828" y="2208590"/>
+          <a:ext cx="1469207" cy="544113"/>
+        </a:xfrm>
+        <a:prstGeom prst="roundRect">
+          <a:avLst>
+            <a:gd name="adj" fmla="val 10000"/>
+          </a:avLst>
+        </a:prstGeom>
+        <a:solidFill>
+          <a:schemeClr val="accent1">
+            <a:alpha val="90000"/>
+            <a:tint val="40000"/>
+            <a:hueOff val="0"/>
+            <a:satOff val="0"/>
+            <a:lumOff val="0"/>
+            <a:alphaOff val="0"/>
+          </a:schemeClr>
+        </a:solidFill>
+        <a:ln w="6350" cap="flat" cmpd="sng" algn="ctr">
+          <a:solidFill>
+            <a:schemeClr val="accent1">
+              <a:alpha val="90000"/>
+              <a:tint val="40000"/>
+              <a:hueOff val="0"/>
+              <a:satOff val="0"/>
+              <a:lumOff val="0"/>
+              <a:alphaOff val="0"/>
+            </a:schemeClr>
+          </a:solidFill>
+          <a:prstDash val="solid"/>
+          <a:miter lim="800000"/>
+        </a:ln>
+        <a:effectLst/>
+      </dsp:spPr>
+      <dsp:style>
+        <a:lnRef idx="1">
+          <a:scrgbClr r="0" g="0" b="0"/>
+        </a:lnRef>
+        <a:fillRef idx="1">
+          <a:scrgbClr r="0" g="0" b="0"/>
+        </a:fillRef>
+        <a:effectRef idx="0">
+          <a:scrgbClr r="0" g="0" b="0"/>
+        </a:effectRef>
+        <a:fontRef idx="minor"/>
+      </dsp:style>
+      <dsp:txBody>
+        <a:bodyPr spcFirstLastPara="0" vert="horz" wrap="square" lIns="13970" tIns="13970" rIns="13970" bIns="13970" numCol="1" spcCol="1270" anchor="ctr" anchorCtr="0">
+          <a:noAutofit/>
+        </a:bodyPr>
+        <a:lstStyle/>
+        <a:p>
+          <a:pPr lvl="0" algn="ctr" defTabSz="488950">
+            <a:lnSpc>
+              <a:spcPct val="90000"/>
+            </a:lnSpc>
+            <a:spcBef>
+              <a:spcPct val="0"/>
+            </a:spcBef>
+            <a:spcAft>
+              <a:spcPct val="35000"/>
+            </a:spcAft>
+          </a:pPr>
+          <a:r>
+            <a:rPr lang="pl-PL" sz="1100" kern="1200" dirty="0" smtClean="0"/>
+            <a:t>Dodanie dodatkowych informacji o algorytmach</a:t>
+          </a:r>
+          <a:endParaRPr lang="pl-PL" sz="1100" kern="1200" dirty="0"/>
+        </a:p>
+      </dsp:txBody>
+      <dsp:txXfrm>
+        <a:off x="8391765" y="2224527"/>
+        <a:ext cx="1437333" cy="512239"/>
       </dsp:txXfrm>
     </dsp:sp>
     <dsp:sp modelId="{9918C7D0-AED3-4926-B47E-0D5FD3CC18D7}">
@@ -6714,7 +7171,7 @@
             <a:fld id="{8EEAACC0-1D53-4937-B5B6-943F5B649E78}" type="datetime1">
               <a:rPr lang="pl-PL" smtClean="0"/>
               <a:pPr algn="r" rtl="0"/>
-              <a:t>04.03.2021</a:t>
+              <a:t>16.06.2021</a:t>
             </a:fld>
             <a:endParaRPr lang="pl-PL" dirty="0"/>
           </a:p>
@@ -6884,7 +7341,7 @@
             <a:fld id="{AF62D56D-93BF-446C-92F8-B7649CF0BD83}" type="datetime1">
               <a:rPr lang="pl-PL" smtClean="0"/>
               <a:pPr/>
-              <a:t>04.03.2021</a:t>
+              <a:t>16.06.2021</a:t>
             </a:fld>
             <a:endParaRPr lang="pl-PL" dirty="0"/>
           </a:p>
@@ -7547,7 +8004,7 @@
             <a:fld id="{164B9ED1-4439-42B8-936D-418068E91386}" type="datetime1">
               <a:rPr lang="pl-PL" smtClean="0"/>
               <a:pPr/>
-              <a:t>04.03.2021</a:t>
+              <a:t>16.06.2021</a:t>
             </a:fld>
             <a:endParaRPr lang="pl-PL" dirty="0"/>
           </a:p>
@@ -7754,7 +8211,7 @@
             <a:fld id="{7B133A6D-75FE-41DC-B308-29A4C2F31980}" type="datetime1">
               <a:rPr lang="pl-PL" smtClean="0"/>
               <a:pPr/>
-              <a:t>04.03.2021</a:t>
+              <a:t>16.06.2021</a:t>
             </a:fld>
             <a:endParaRPr lang="pl-PL" dirty="0"/>
           </a:p>
@@ -7955,7 +8412,7 @@
             <a:fld id="{D6F312A1-8AF5-4F8F-B86E-E0090837DDFA}" type="datetime1">
               <a:rPr lang="pl-PL" smtClean="0"/>
               <a:pPr/>
-              <a:t>04.03.2021</a:t>
+              <a:t>16.06.2021</a:t>
             </a:fld>
             <a:endParaRPr lang="pl-PL" dirty="0"/>
           </a:p>
@@ -8433,7 +8890,7 @@
             <a:fld id="{E5B9C52F-2583-481C-BF55-6C7B8AC0CEC7}" type="datetime1">
               <a:rPr lang="pl-PL" smtClean="0"/>
               <a:pPr/>
-              <a:t>04.03.2021</a:t>
+              <a:t>16.06.2021</a:t>
             </a:fld>
             <a:endParaRPr lang="pl-PL" dirty="0"/>
           </a:p>
@@ -8900,7 +9357,7 @@
             <a:fld id="{7A3BDCA2-0C18-4F7A-9EEA-05E901DAF6E5}" type="datetime1">
               <a:rPr lang="pl-PL" smtClean="0"/>
               <a:pPr/>
-              <a:t>04.03.2021</a:t>
+              <a:t>16.06.2021</a:t>
             </a:fld>
             <a:endParaRPr lang="pl-PL" dirty="0"/>
           </a:p>
@@ -9045,7 +9502,7 @@
             <a:fld id="{CF152542-C316-4755-9C00-E51BDA55B993}" type="datetime1">
               <a:rPr lang="pl-PL" smtClean="0"/>
               <a:pPr/>
-              <a:t>04.03.2021</a:t>
+              <a:t>16.06.2021</a:t>
             </a:fld>
             <a:endParaRPr lang="pl-PL" dirty="0"/>
           </a:p>
@@ -9162,7 +9619,7 @@
             <a:fld id="{63AA7B18-3145-41D6-B7B5-1DA59129EFA4}" type="datetime1">
               <a:rPr lang="pl-PL" smtClean="0"/>
               <a:pPr/>
-              <a:t>04.03.2021</a:t>
+              <a:t>16.06.2021</a:t>
             </a:fld>
             <a:endParaRPr lang="pl-PL" dirty="0"/>
           </a:p>
@@ -9469,7 +9926,7 @@
             <a:fld id="{FA29F2AC-271F-4D73-96D9-9D8FC4E5FC27}" type="datetime1">
               <a:rPr lang="pl-PL" smtClean="0"/>
               <a:pPr/>
-              <a:t>04.03.2021</a:t>
+              <a:t>16.06.2021</a:t>
             </a:fld>
             <a:endParaRPr lang="pl-PL" dirty="0"/>
           </a:p>
@@ -9806,7 +10263,7 @@
             <a:fld id="{A837A9A2-F64B-4B8D-A7C0-2D27CFBDFC65}" type="datetime1">
               <a:rPr lang="pl-PL" smtClean="0"/>
               <a:pPr/>
-              <a:t>04.03.2021</a:t>
+              <a:t>16.06.2021</a:t>
             </a:fld>
             <a:endParaRPr lang="pl-PL" dirty="0"/>
           </a:p>
@@ -10038,7 +10495,7 @@
             <a:fld id="{7FBC864A-9C2E-4E43-ACD2-5538C33972C8}" type="datetime1">
               <a:rPr lang="pl-PL" smtClean="0"/>
               <a:pPr/>
-              <a:t>04.03.2021</a:t>
+              <a:t>16.06.2021</a:t>
             </a:fld>
             <a:endParaRPr lang="pl-PL" dirty="0"/>
           </a:p>
@@ -10555,8 +11012,9 @@
             <a:pPr rtl="0"/>
             <a:r>
               <a:rPr lang="pl-PL" dirty="0" smtClean="0"/>
-              <a:t>Propozycja projektu </a:t>
+              <a:t>Prezentacja projektu </a:t>
             </a:r>
+            <a:endParaRPr lang="pl-PL" dirty="0" smtClean="0"/>
           </a:p>
           <a:p>
             <a:pPr rtl="0"/>
@@ -10668,7 +11126,15 @@
             <a:pPr rtl="0"/>
             <a:r>
               <a:rPr lang="pl-PL" dirty="0" smtClean="0"/>
-              <a:t>Dane do posortowania będą tworzyć się losowo lecz będzie też możliwość umieszczenia swoich oraz zapisania posortowanych wartości,</a:t>
+              <a:t>Dane do posortowania będą tworzyć się losowo lecz będzie też możliwość umieszczenia swoich </a:t>
+            </a:r>
+            <a:r>
+              <a:rPr lang="pl-PL" dirty="0" smtClean="0"/>
+              <a:t>wartości</a:t>
+            </a:r>
+            <a:r>
+              <a:rPr lang="pl-PL" dirty="0" smtClean="0"/>
+              <a:t>,</a:t>
             </a:r>
             <a:endParaRPr lang="pl-PL" dirty="0"/>
           </a:p>
@@ -10683,15 +11149,22 @@
             <a:pPr rtl="0"/>
             <a:r>
               <a:rPr lang="pl-PL" dirty="0" smtClean="0"/>
-              <a:t>Losowe dane będzie można również ograniczać lub sama liczba danych będzie możliwa do zmiany,</a:t>
+              <a:t>Losowe dane będzie można również ograniczać lub sama liczba danych będzie możliwa do </a:t>
+            </a:r>
+            <a:r>
+              <a:rPr lang="pl-PL" dirty="0" smtClean="0"/>
+              <a:t>zmiany</a:t>
+            </a:r>
+            <a:r>
+              <a:rPr lang="pl-PL" dirty="0" smtClean="0"/>
+              <a:t>,</a:t>
             </a:r>
           </a:p>
           <a:p>
-            <a:pPr rtl="0"/>
-            <a:r>
-              <a:rPr lang="pl-PL" dirty="0" smtClean="0"/>
-              <a:t>W końcowym etapie projektu chciałbym jeszcze dodać przykładowe wizualizacje obliczania całek numerycznie lub szukania miejsc zerowych funkcji lecz będzie to zależało jak szybko będą postępowały prace z algorytmami sortującymi. </a:t>
-            </a:r>
+            <a:pPr marL="0" indent="0" rtl="0">
+              <a:buNone/>
+            </a:pPr>
+            <a:endParaRPr lang="pl-PL" dirty="0" smtClean="0"/>
           </a:p>
         </p:txBody>
       </p:sp>
@@ -10782,7 +11255,7 @@
         </p:blipFill>
         <p:spPr>
           <a:xfrm>
-            <a:off x="-46369" y="1600200"/>
+            <a:off x="164457" y="1633867"/>
             <a:ext cx="5958474" cy="3340968"/>
           </a:xfrm>
           <a:prstGeom prst="rect">
@@ -10985,7 +11458,7 @@
       </p:grpSpPr>
       <p:sp>
         <p:nvSpPr>
-          <p:cNvPr id="8" name="Tytuł 1"/>
+          <p:cNvPr id="2" name="Tytuł 1"/>
           <p:cNvSpPr>
             <a:spLocks noGrp="1"/>
           </p:cNvSpPr>
@@ -10995,37 +11468,8 @@
         </p:nvSpPr>
         <p:spPr>
           <a:xfrm>
-            <a:off x="1524000" y="457200"/>
-            <a:ext cx="9144000" cy="1143000"/>
-          </a:xfrm>
-        </p:spPr>
-        <p:txBody>
-          <a:bodyPr rtlCol="0"/>
-          <a:lstStyle/>
-          <a:p>
-            <a:pPr algn="ctr" rtl="0"/>
-            <a:r>
-              <a:rPr lang="pl-PL" dirty="0" smtClean="0"/>
-              <a:t>Cele projektu</a:t>
-            </a:r>
-            <a:endParaRPr lang="pl-PL" dirty="0"/>
-          </a:p>
-        </p:txBody>
-      </p:sp>
-      <p:sp>
-        <p:nvSpPr>
-          <p:cNvPr id="9" name="Zawartość — symbol zastępczy 13"/>
-          <p:cNvSpPr>
-            <a:spLocks noGrp="1"/>
-          </p:cNvSpPr>
-          <p:nvPr>
-            <p:ph idx="1"/>
-          </p:nvPr>
-        </p:nvSpPr>
-        <p:spPr>
-          <a:xfrm>
-            <a:off x="1524000" y="1828800"/>
-            <a:ext cx="9144000" cy="4267200"/>
+            <a:off x="1524000" y="620688"/>
+            <a:ext cx="9144000" cy="979512"/>
           </a:xfrm>
         </p:spPr>
         <p:txBody>
@@ -11035,58 +11479,102 @@
             <a:pPr rtl="0"/>
             <a:r>
               <a:rPr lang="pl-PL" dirty="0" smtClean="0"/>
-              <a:t>Nauka algorytmów,</a:t>
+              <a:t>Harmonogram</a:t>
             </a:r>
-          </a:p>
-          <a:p>
-            <a:pPr rtl="0"/>
-            <a:r>
-              <a:rPr lang="pl-PL" dirty="0" smtClean="0"/>
-              <a:t>Nauka korzystania z bibliotek do wizualizacji w </a:t>
-            </a:r>
-            <a:r>
-              <a:rPr lang="pl-PL" dirty="0" err="1" smtClean="0"/>
-              <a:t>Pythonie</a:t>
-            </a:r>
-            <a:r>
-              <a:rPr lang="pl-PL" dirty="0" smtClean="0"/>
-              <a:t>,</a:t>
-            </a:r>
-          </a:p>
-          <a:p>
-            <a:pPr rtl="0"/>
-            <a:r>
-              <a:rPr lang="pl-PL" dirty="0" smtClean="0"/>
-              <a:t>Poszerzenie wiedzy w zakresie metod numerycznych w </a:t>
-            </a:r>
-            <a:r>
-              <a:rPr lang="pl-PL" dirty="0" err="1" smtClean="0"/>
-              <a:t>Pythonie</a:t>
-            </a:r>
-            <a:r>
-              <a:rPr lang="pl-PL" dirty="0" smtClean="0"/>
-              <a:t>,</a:t>
-            </a:r>
-          </a:p>
-          <a:p>
-            <a:pPr marL="0" indent="0" rtl="0">
-              <a:buNone/>
-            </a:pPr>
-            <a:r>
-              <a:rPr lang="pl-PL" dirty="0" smtClean="0"/>
-              <a:t> </a:t>
-            </a:r>
-          </a:p>
-          <a:p>
-            <a:pPr rtl="0"/>
-            <a:endParaRPr lang="pl-PL" dirty="0" smtClean="0"/>
+            <a:endParaRPr lang="pl-PL" dirty="0"/>
           </a:p>
         </p:txBody>
       </p:sp>
+      <p:graphicFrame>
+        <p:nvGraphicFramePr>
+          <p:cNvPr id="9" name="Zawartość — symbol zastępczy 8" descr="Lista procesów" title="SmartArt"/>
+          <p:cNvGraphicFramePr>
+            <a:graphicFrameLocks noGrp="1"/>
+          </p:cNvGraphicFramePr>
+          <p:nvPr>
+            <p:ph idx="1"/>
+            <p:extLst>
+              <p:ext uri="{D42A27DB-BD31-4B8C-83A1-F6EECF244321}">
+                <p14:modId xmlns:p14="http://schemas.microsoft.com/office/powerpoint/2010/main" val="3655555671"/>
+              </p:ext>
+            </p:extLst>
+          </p:nvPr>
+        </p:nvGraphicFramePr>
+        <p:xfrm>
+          <a:off x="335360" y="1772816"/>
+          <a:ext cx="11521280" cy="4323184"/>
+        </p:xfrm>
+        <a:graphic>
+          <a:graphicData uri="http://schemas.openxmlformats.org/drawingml/2006/diagram">
+            <dgm:relIds xmlns:dgm="http://schemas.openxmlformats.org/drawingml/2006/diagram" xmlns:r="http://schemas.openxmlformats.org/officeDocument/2006/relationships" r:dm="rId2" r:lo="rId3" r:qs="rId4" r:cs="rId5"/>
+          </a:graphicData>
+        </a:graphic>
+      </p:graphicFrame>
+      <p:cxnSp>
+        <p:nvCxnSpPr>
+          <p:cNvPr id="4" name="Łącznik prosty 3"/>
+          <p:cNvCxnSpPr/>
+          <p:nvPr/>
+        </p:nvCxnSpPr>
+        <p:spPr>
+          <a:xfrm>
+            <a:off x="6960096" y="2780928"/>
+            <a:ext cx="1656184" cy="1224136"/>
+          </a:xfrm>
+          <a:prstGeom prst="line">
+            <a:avLst/>
+          </a:prstGeom>
+          <a:ln/>
+        </p:spPr>
+        <p:style>
+          <a:lnRef idx="3">
+            <a:schemeClr val="accent5"/>
+          </a:lnRef>
+          <a:fillRef idx="0">
+            <a:schemeClr val="accent5"/>
+          </a:fillRef>
+          <a:effectRef idx="2">
+            <a:schemeClr val="accent5"/>
+          </a:effectRef>
+          <a:fontRef idx="minor">
+            <a:schemeClr val="tx1"/>
+          </a:fontRef>
+        </p:style>
+      </p:cxnSp>
+      <p:cxnSp>
+        <p:nvCxnSpPr>
+          <p:cNvPr id="7" name="Łącznik prosty 6"/>
+          <p:cNvCxnSpPr/>
+          <p:nvPr/>
+        </p:nvCxnSpPr>
+        <p:spPr>
+          <a:xfrm flipH="1">
+            <a:off x="6960096" y="2852936"/>
+            <a:ext cx="1584176" cy="1152128"/>
+          </a:xfrm>
+          <a:prstGeom prst="line">
+            <a:avLst/>
+          </a:prstGeom>
+        </p:spPr>
+        <p:style>
+          <a:lnRef idx="3">
+            <a:schemeClr val="accent5"/>
+          </a:lnRef>
+          <a:fillRef idx="0">
+            <a:schemeClr val="accent5"/>
+          </a:fillRef>
+          <a:effectRef idx="2">
+            <a:schemeClr val="accent5"/>
+          </a:effectRef>
+          <a:fontRef idx="minor">
+            <a:schemeClr val="tx1"/>
+          </a:fontRef>
+        </p:style>
+      </p:cxnSp>
     </p:spTree>
     <p:extLst>
       <p:ext uri="{BB962C8B-B14F-4D97-AF65-F5344CB8AC3E}">
-        <p14:creationId xmlns:p14="http://schemas.microsoft.com/office/powerpoint/2010/main" val="4145261392"/>
+        <p14:creationId xmlns:p14="http://schemas.microsoft.com/office/powerpoint/2010/main" val="1153027685"/>
       </p:ext>
     </p:extLst>
   </p:cSld>
@@ -11138,79 +11626,538 @@
             <p:ph type="title"/>
           </p:nvPr>
         </p:nvSpPr>
-        <p:spPr>
-          <a:xfrm>
-            <a:off x="1524000" y="620688"/>
-            <a:ext cx="9144000" cy="979512"/>
-          </a:xfrm>
-        </p:spPr>
+        <p:spPr/>
         <p:txBody>
-          <a:bodyPr rtlCol="0"/>
+          <a:bodyPr/>
           <a:lstStyle/>
           <a:p>
-            <a:pPr rtl="0"/>
             <a:r>
               <a:rPr lang="pl-PL" dirty="0" smtClean="0"/>
-              <a:t>Harmonogram</a:t>
+              <a:t>Wygląd aplikacji</a:t>
             </a:r>
+            <a:br>
+              <a:rPr lang="pl-PL" dirty="0" smtClean="0"/>
+            </a:br>
             <a:endParaRPr lang="pl-PL" dirty="0"/>
           </a:p>
         </p:txBody>
       </p:sp>
-      <p:graphicFrame>
-        <p:nvGraphicFramePr>
-          <p:cNvPr id="9" name="Zawartość — symbol zastępczy 8" descr="Lista procesów" title="SmartArt"/>
-          <p:cNvGraphicFramePr>
-            <a:graphicFrameLocks noGrp="1"/>
-          </p:cNvGraphicFramePr>
+      <p:pic>
+        <p:nvPicPr>
+          <p:cNvPr id="6" name="Obraz 5"/>
+          <p:cNvPicPr>
+            <a:picLocks noChangeAspect="1"/>
+          </p:cNvPicPr>
+          <p:nvPr/>
+        </p:nvPicPr>
+        <p:blipFill>
+          <a:blip r:embed="rId2"/>
+          <a:stretch>
+            <a:fillRect/>
+          </a:stretch>
+        </p:blipFill>
+        <p:spPr>
+          <a:xfrm>
+            <a:off x="6096000" y="2120669"/>
+            <a:ext cx="5734050" cy="4114800"/>
+          </a:xfrm>
+          <a:prstGeom prst="rect">
+            <a:avLst/>
+          </a:prstGeom>
+        </p:spPr>
+      </p:pic>
+      <p:sp>
+        <p:nvSpPr>
+          <p:cNvPr id="7" name="Symbol zastępczy zawartości 6"/>
+          <p:cNvSpPr>
+            <a:spLocks noGrp="1"/>
+          </p:cNvSpPr>
           <p:nvPr>
             <p:ph idx="1"/>
-            <p:extLst>
-              <p:ext uri="{D42A27DB-BD31-4B8C-83A1-F6EECF244321}">
-                <p14:modId xmlns:p14="http://schemas.microsoft.com/office/powerpoint/2010/main" val="1232882281"/>
-              </p:ext>
-            </p:extLst>
           </p:nvPr>
-        </p:nvGraphicFramePr>
-        <p:xfrm>
-          <a:off x="335360" y="1772816"/>
-          <a:ext cx="11521280" cy="4323184"/>
-        </p:xfrm>
-        <a:graphic>
-          <a:graphicData uri="http://schemas.openxmlformats.org/drawingml/2006/diagram">
-            <dgm:relIds xmlns:dgm="http://schemas.openxmlformats.org/drawingml/2006/diagram" xmlns:r="http://schemas.openxmlformats.org/officeDocument/2006/relationships" r:dm="rId2" r:lo="rId3" r:qs="rId4" r:cs="rId5"/>
-          </a:graphicData>
-        </a:graphic>
-      </p:graphicFrame>
+        </p:nvSpPr>
+        <p:spPr/>
+        <p:txBody>
+          <a:bodyPr/>
+          <a:lstStyle/>
+          <a:p>
+            <a:endParaRPr lang="pl-PL" dirty="0"/>
+          </a:p>
+        </p:txBody>
+      </p:sp>
+      <p:pic>
+        <p:nvPicPr>
+          <p:cNvPr id="9" name="Obraz 8"/>
+          <p:cNvPicPr>
+            <a:picLocks noChangeAspect="1"/>
+          </p:cNvPicPr>
+          <p:nvPr/>
+        </p:nvPicPr>
+        <p:blipFill>
+          <a:blip r:embed="rId3"/>
+          <a:stretch>
+            <a:fillRect/>
+          </a:stretch>
+        </p:blipFill>
+        <p:spPr>
+          <a:xfrm>
+            <a:off x="263352" y="2126571"/>
+            <a:ext cx="5477450" cy="4114800"/>
+          </a:xfrm>
+          <a:prstGeom prst="rect">
+            <a:avLst/>
+          </a:prstGeom>
+        </p:spPr>
+      </p:pic>
     </p:spTree>
     <p:extLst>
       <p:ext uri="{BB962C8B-B14F-4D97-AF65-F5344CB8AC3E}">
-        <p14:creationId xmlns:p14="http://schemas.microsoft.com/office/powerpoint/2010/main" val="1153027685"/>
+        <p14:creationId xmlns:p14="http://schemas.microsoft.com/office/powerpoint/2010/main" val="685127720"/>
       </p:ext>
     </p:extLst>
   </p:cSld>
   <p:clrMapOvr>
     <a:masterClrMapping/>
   </p:clrMapOvr>
-  <mc:AlternateContent xmlns:mc="http://schemas.openxmlformats.org/markup-compatibility/2006" xmlns:p14="http://schemas.microsoft.com/office/powerpoint/2010/main">
-    <mc:Choice Requires="p14">
+  <mc:AlternateContent xmlns:mc="http://schemas.openxmlformats.org/markup-compatibility/2006">
+    <mc:Choice xmlns:p14="http://schemas.microsoft.com/office/powerpoint/2010/main" Requires="p14">
       <p:transition spd="slow" p14:dur="2000"/>
     </mc:Choice>
-    <mc:Fallback xmlns="">
+    <mc:Fallback>
       <p:transition spd="slow"/>
     </mc:Fallback>
   </mc:AlternateContent>
-  <p:timing>
-    <p:tnLst>
-      <p:par>
-        <p:cTn id="1" dur="indefinite" restart="never" nodeType="tmRoot"/>
-      </p:par>
-    </p:tnLst>
-  </p:timing>
 </p:sld>
 </file>
 
 <file path=ppt/slides/slide6.xml><?xml version="1.0" encoding="utf-8"?>
+<p:sld xmlns:a="http://schemas.openxmlformats.org/drawingml/2006/main" xmlns:r="http://schemas.openxmlformats.org/officeDocument/2006/relationships" xmlns:p="http://schemas.openxmlformats.org/presentationml/2006/main">
+  <p:cSld>
+    <p:spTree>
+      <p:nvGrpSpPr>
+        <p:cNvPr id="1" name=""/>
+        <p:cNvGrpSpPr/>
+        <p:nvPr/>
+      </p:nvGrpSpPr>
+      <p:grpSpPr>
+        <a:xfrm>
+          <a:off x="0" y="0"/>
+          <a:ext cx="0" cy="0"/>
+          <a:chOff x="0" y="0"/>
+          <a:chExt cx="0" cy="0"/>
+        </a:xfrm>
+      </p:grpSpPr>
+      <p:sp>
+        <p:nvSpPr>
+          <p:cNvPr id="2" name="Tytuł 1"/>
+          <p:cNvSpPr>
+            <a:spLocks noGrp="1"/>
+          </p:cNvSpPr>
+          <p:nvPr>
+            <p:ph type="title"/>
+          </p:nvPr>
+        </p:nvSpPr>
+        <p:spPr/>
+        <p:txBody>
+          <a:bodyPr/>
+          <a:lstStyle/>
+          <a:p>
+            <a:r>
+              <a:rPr lang="pl-PL" dirty="0" smtClean="0"/>
+              <a:t>Struktura projektu</a:t>
+            </a:r>
+            <a:endParaRPr lang="pl-PL" dirty="0"/>
+          </a:p>
+        </p:txBody>
+      </p:sp>
+      <p:sp>
+        <p:nvSpPr>
+          <p:cNvPr id="6" name="Prostokąt zaokrąglony 5"/>
+          <p:cNvSpPr/>
+          <p:nvPr/>
+        </p:nvSpPr>
+        <p:spPr>
+          <a:xfrm>
+            <a:off x="5507360" y="5229200"/>
+            <a:ext cx="1177280" cy="931912"/>
+          </a:xfrm>
+          <a:prstGeom prst="roundRect">
+            <a:avLst/>
+          </a:prstGeom>
+        </p:spPr>
+        <p:style>
+          <a:lnRef idx="2">
+            <a:schemeClr val="accent1">
+              <a:shade val="50000"/>
+            </a:schemeClr>
+          </a:lnRef>
+          <a:fillRef idx="1">
+            <a:schemeClr val="accent1"/>
+          </a:fillRef>
+          <a:effectRef idx="0">
+            <a:schemeClr val="accent1"/>
+          </a:effectRef>
+          <a:fontRef idx="minor">
+            <a:schemeClr val="lt1"/>
+          </a:fontRef>
+        </p:style>
+        <p:txBody>
+          <a:bodyPr rtlCol="0" anchor="ctr"/>
+          <a:lstStyle/>
+          <a:p>
+            <a:pPr algn="ctr"/>
+            <a:r>
+              <a:rPr lang="pl-PL" dirty="0" smtClean="0"/>
+              <a:t>main.py</a:t>
+            </a:r>
+            <a:endParaRPr lang="pl-PL" dirty="0"/>
+          </a:p>
+        </p:txBody>
+      </p:sp>
+      <p:sp>
+        <p:nvSpPr>
+          <p:cNvPr id="7" name="Prostokąt zaokrąglony 6"/>
+          <p:cNvSpPr/>
+          <p:nvPr/>
+        </p:nvSpPr>
+        <p:spPr>
+          <a:xfrm>
+            <a:off x="8184232" y="3717685"/>
+            <a:ext cx="2376264" cy="937250"/>
+          </a:xfrm>
+          <a:prstGeom prst="roundRect">
+            <a:avLst/>
+          </a:prstGeom>
+        </p:spPr>
+        <p:style>
+          <a:lnRef idx="2">
+            <a:schemeClr val="accent1">
+              <a:shade val="50000"/>
+            </a:schemeClr>
+          </a:lnRef>
+          <a:fillRef idx="1">
+            <a:schemeClr val="accent1"/>
+          </a:fillRef>
+          <a:effectRef idx="0">
+            <a:schemeClr val="accent1"/>
+          </a:effectRef>
+          <a:fontRef idx="minor">
+            <a:schemeClr val="lt1"/>
+          </a:fontRef>
+        </p:style>
+        <p:txBody>
+          <a:bodyPr rtlCol="0" anchor="ctr"/>
+          <a:lstStyle/>
+          <a:p>
+            <a:pPr algn="ctr"/>
+            <a:r>
+              <a:rPr lang="pl-PL" dirty="0"/>
+              <a:t>a</a:t>
+            </a:r>
+            <a:r>
+              <a:rPr lang="pl-PL" dirty="0" smtClean="0"/>
+              <a:t>lghoritms_base.py</a:t>
+            </a:r>
+            <a:endParaRPr lang="pl-PL" dirty="0"/>
+          </a:p>
+        </p:txBody>
+      </p:sp>
+      <p:sp>
+        <p:nvSpPr>
+          <p:cNvPr id="8" name="Prostokąt zaokrąglony 7"/>
+          <p:cNvSpPr/>
+          <p:nvPr/>
+        </p:nvSpPr>
+        <p:spPr>
+          <a:xfrm>
+            <a:off x="5267908" y="1956291"/>
+            <a:ext cx="1656184" cy="936104"/>
+          </a:xfrm>
+          <a:prstGeom prst="roundRect">
+            <a:avLst/>
+          </a:prstGeom>
+        </p:spPr>
+        <p:style>
+          <a:lnRef idx="2">
+            <a:schemeClr val="accent1">
+              <a:shade val="50000"/>
+            </a:schemeClr>
+          </a:lnRef>
+          <a:fillRef idx="1">
+            <a:schemeClr val="accent1"/>
+          </a:fillRef>
+          <a:effectRef idx="0">
+            <a:schemeClr val="accent1"/>
+          </a:effectRef>
+          <a:fontRef idx="minor">
+            <a:schemeClr val="lt1"/>
+          </a:fontRef>
+        </p:style>
+        <p:txBody>
+          <a:bodyPr rtlCol="0" anchor="ctr"/>
+          <a:lstStyle/>
+          <a:p>
+            <a:pPr algn="ctr"/>
+            <a:r>
+              <a:rPr lang="pl-PL" dirty="0"/>
+              <a:t>d</a:t>
+            </a:r>
+            <a:r>
+              <a:rPr lang="pl-PL" dirty="0" smtClean="0"/>
+              <a:t>rawing.py</a:t>
+            </a:r>
+            <a:endParaRPr lang="pl-PL" dirty="0"/>
+          </a:p>
+        </p:txBody>
+      </p:sp>
+      <p:sp>
+        <p:nvSpPr>
+          <p:cNvPr id="9" name="Prostokąt zaokrąglony 8"/>
+          <p:cNvSpPr/>
+          <p:nvPr/>
+        </p:nvSpPr>
+        <p:spPr>
+          <a:xfrm>
+            <a:off x="2279576" y="3716538"/>
+            <a:ext cx="1512168" cy="936104"/>
+          </a:xfrm>
+          <a:prstGeom prst="roundRect">
+            <a:avLst/>
+          </a:prstGeom>
+        </p:spPr>
+        <p:style>
+          <a:lnRef idx="2">
+            <a:schemeClr val="accent1">
+              <a:shade val="50000"/>
+            </a:schemeClr>
+          </a:lnRef>
+          <a:fillRef idx="1">
+            <a:schemeClr val="accent1"/>
+          </a:fillRef>
+          <a:effectRef idx="0">
+            <a:schemeClr val="accent1"/>
+          </a:effectRef>
+          <a:fontRef idx="minor">
+            <a:schemeClr val="lt1"/>
+          </a:fontRef>
+        </p:style>
+        <p:txBody>
+          <a:bodyPr rtlCol="0" anchor="ctr"/>
+          <a:lstStyle/>
+          <a:p>
+            <a:pPr algn="ctr"/>
+            <a:r>
+              <a:rPr lang="pl-PL" dirty="0" smtClean="0"/>
+              <a:t>colors.py</a:t>
+            </a:r>
+            <a:endParaRPr lang="pl-PL" dirty="0"/>
+          </a:p>
+        </p:txBody>
+      </p:sp>
+      <p:cxnSp>
+        <p:nvCxnSpPr>
+          <p:cNvPr id="38" name="Łącznik łamany 37"/>
+          <p:cNvCxnSpPr>
+            <a:stCxn id="7" idx="2"/>
+            <a:endCxn id="6" idx="3"/>
+          </p:cNvCxnSpPr>
+          <p:nvPr/>
+        </p:nvCxnSpPr>
+        <p:spPr>
+          <a:xfrm rot="5400000">
+            <a:off x="7508392" y="3831183"/>
+            <a:ext cx="1040221" cy="2687724"/>
+          </a:xfrm>
+          <a:prstGeom prst="bentConnector2">
+            <a:avLst/>
+          </a:prstGeom>
+          <a:ln>
+            <a:headEnd type="triangle"/>
+            <a:tailEnd type="triangle"/>
+          </a:ln>
+        </p:spPr>
+        <p:style>
+          <a:lnRef idx="1">
+            <a:schemeClr val="accent1"/>
+          </a:lnRef>
+          <a:fillRef idx="0">
+            <a:schemeClr val="accent1"/>
+          </a:fillRef>
+          <a:effectRef idx="0">
+            <a:schemeClr val="accent1"/>
+          </a:effectRef>
+          <a:fontRef idx="minor">
+            <a:schemeClr val="tx1"/>
+          </a:fontRef>
+        </p:style>
+      </p:cxnSp>
+      <p:cxnSp>
+        <p:nvCxnSpPr>
+          <p:cNvPr id="45" name="Łącznik łamany 44"/>
+          <p:cNvCxnSpPr>
+            <a:stCxn id="9" idx="0"/>
+            <a:endCxn id="8" idx="1"/>
+          </p:cNvCxnSpPr>
+          <p:nvPr/>
+        </p:nvCxnSpPr>
+        <p:spPr>
+          <a:xfrm rot="5400000" flipH="1" flipV="1">
+            <a:off x="3505687" y="1954317"/>
+            <a:ext cx="1292195" cy="2232248"/>
+          </a:xfrm>
+          <a:prstGeom prst="bentConnector2">
+            <a:avLst/>
+          </a:prstGeom>
+          <a:ln>
+            <a:tailEnd type="triangle"/>
+          </a:ln>
+        </p:spPr>
+        <p:style>
+          <a:lnRef idx="1">
+            <a:schemeClr val="accent1"/>
+          </a:lnRef>
+          <a:fillRef idx="0">
+            <a:schemeClr val="accent1"/>
+          </a:fillRef>
+          <a:effectRef idx="0">
+            <a:schemeClr val="accent1"/>
+          </a:effectRef>
+          <a:fontRef idx="minor">
+            <a:schemeClr val="tx1"/>
+          </a:fontRef>
+        </p:style>
+      </p:cxnSp>
+      <p:cxnSp>
+        <p:nvCxnSpPr>
+          <p:cNvPr id="49" name="Łącznik łamany 48"/>
+          <p:cNvCxnSpPr>
+            <a:stCxn id="9" idx="2"/>
+            <a:endCxn id="6" idx="1"/>
+          </p:cNvCxnSpPr>
+          <p:nvPr/>
+        </p:nvCxnSpPr>
+        <p:spPr>
+          <a:xfrm rot="16200000" flipH="1">
+            <a:off x="3750253" y="3938049"/>
+            <a:ext cx="1042514" cy="2471700"/>
+          </a:xfrm>
+          <a:prstGeom prst="bentConnector2">
+            <a:avLst/>
+          </a:prstGeom>
+          <a:ln>
+            <a:tailEnd type="triangle"/>
+          </a:ln>
+        </p:spPr>
+        <p:style>
+          <a:lnRef idx="1">
+            <a:schemeClr val="accent1"/>
+          </a:lnRef>
+          <a:fillRef idx="0">
+            <a:schemeClr val="accent1"/>
+          </a:fillRef>
+          <a:effectRef idx="0">
+            <a:schemeClr val="accent1"/>
+          </a:effectRef>
+          <a:fontRef idx="minor">
+            <a:schemeClr val="tx1"/>
+          </a:fontRef>
+        </p:style>
+      </p:cxnSp>
+      <p:cxnSp>
+        <p:nvCxnSpPr>
+          <p:cNvPr id="70" name="Łącznik prosty ze strzałką 69"/>
+          <p:cNvCxnSpPr>
+            <a:stCxn id="9" idx="3"/>
+            <a:endCxn id="7" idx="1"/>
+          </p:cNvCxnSpPr>
+          <p:nvPr/>
+        </p:nvCxnSpPr>
+        <p:spPr>
+          <a:xfrm>
+            <a:off x="3791744" y="4184590"/>
+            <a:ext cx="4392488" cy="1720"/>
+          </a:xfrm>
+          <a:prstGeom prst="straightConnector1">
+            <a:avLst/>
+          </a:prstGeom>
+          <a:ln>
+            <a:tailEnd type="triangle"/>
+          </a:ln>
+        </p:spPr>
+        <p:style>
+          <a:lnRef idx="1">
+            <a:schemeClr val="accent1"/>
+          </a:lnRef>
+          <a:fillRef idx="0">
+            <a:schemeClr val="accent1"/>
+          </a:fillRef>
+          <a:effectRef idx="0">
+            <a:schemeClr val="accent1"/>
+          </a:effectRef>
+          <a:fontRef idx="minor">
+            <a:schemeClr val="tx1"/>
+          </a:fontRef>
+        </p:style>
+      </p:cxnSp>
+      <p:cxnSp>
+        <p:nvCxnSpPr>
+          <p:cNvPr id="79" name="Łącznik prosty ze strzałką 78"/>
+          <p:cNvCxnSpPr>
+            <a:stCxn id="8" idx="2"/>
+            <a:endCxn id="6" idx="0"/>
+          </p:cNvCxnSpPr>
+          <p:nvPr/>
+        </p:nvCxnSpPr>
+        <p:spPr>
+          <a:xfrm>
+            <a:off x="6096000" y="2892395"/>
+            <a:ext cx="0" cy="2336805"/>
+          </a:xfrm>
+          <a:prstGeom prst="straightConnector1">
+            <a:avLst/>
+          </a:prstGeom>
+          <a:ln>
+            <a:headEnd type="triangle"/>
+            <a:tailEnd type="triangle"/>
+          </a:ln>
+        </p:spPr>
+        <p:style>
+          <a:lnRef idx="1">
+            <a:schemeClr val="accent1"/>
+          </a:lnRef>
+          <a:fillRef idx="0">
+            <a:schemeClr val="accent1"/>
+          </a:fillRef>
+          <a:effectRef idx="0">
+            <a:schemeClr val="accent1"/>
+          </a:effectRef>
+          <a:fontRef idx="minor">
+            <a:schemeClr val="tx1"/>
+          </a:fontRef>
+        </p:style>
+      </p:cxnSp>
+    </p:spTree>
+    <p:extLst>
+      <p:ext uri="{BB962C8B-B14F-4D97-AF65-F5344CB8AC3E}">
+        <p14:creationId xmlns:p14="http://schemas.microsoft.com/office/powerpoint/2010/main" val="1340360539"/>
+      </p:ext>
+    </p:extLst>
+  </p:cSld>
+  <p:clrMapOvr>
+    <a:masterClrMapping/>
+  </p:clrMapOvr>
+  <mc:AlternateContent xmlns:mc="http://schemas.openxmlformats.org/markup-compatibility/2006">
+    <mc:Choice xmlns:p14="http://schemas.microsoft.com/office/powerpoint/2010/main" Requires="p14">
+      <p:transition spd="slow" p14:dur="2000"/>
+    </mc:Choice>
+    <mc:Fallback>
+      <p:transition spd="slow"/>
+    </mc:Fallback>
+  </mc:AlternateContent>
+</p:sld>
+</file>
+
+<file path=ppt/slides/slide7.xml><?xml version="1.0" encoding="utf-8"?>
 <p:sld xmlns:a="http://schemas.openxmlformats.org/drawingml/2006/main" xmlns:r="http://schemas.openxmlformats.org/officeDocument/2006/relationships" xmlns:p="http://schemas.openxmlformats.org/presentationml/2006/main">
   <p:cSld>
     <p:spTree>
@@ -12063,141 +13010,6 @@
 </file>
 
 <file path=customXml/item1.xml><?xml version="1.0" encoding="utf-8"?>
-<?mso-contentType ?>
-<FormTemplates xmlns="http://schemas.microsoft.com/sharepoint/v3/contenttype/forms">
-  <Display>DocumentLibraryForm</Display>
-  <Edit>AssetEditForm</Edit>
-  <New>DocumentLibraryForm</New>
-</FormTemplates>
-</file>
-
-<file path=customXml/item2.xml><?xml version="1.0" encoding="utf-8"?>
-<p:properties xmlns:p="http://schemas.microsoft.com/office/2006/metadata/properties" xmlns:xsi="http://www.w3.org/2001/XMLSchema-instance" xmlns:pc="http://schemas.microsoft.com/office/infopath/2007/PartnerControls">
-  <documentManagement>
-    <DirectSourceMarket xmlns="4873beb7-5857-4685-be1f-d57550cc96cc" xsi:nil="true"/>
-    <ApprovalStatus xmlns="4873beb7-5857-4685-be1f-d57550cc96cc">InProgress</ApprovalStatus>
-    <MarketSpecific xmlns="4873beb7-5857-4685-be1f-d57550cc96cc">false</MarketSpecific>
-    <LocComments xmlns="4873beb7-5857-4685-be1f-d57550cc96cc" xsi:nil="true"/>
-    <ThumbnailAssetId xmlns="4873beb7-5857-4685-be1f-d57550cc96cc" xsi:nil="true"/>
-    <PrimaryImageGen xmlns="4873beb7-5857-4685-be1f-d57550cc96cc">true</PrimaryImageGen>
-    <LegacyData xmlns="4873beb7-5857-4685-be1f-d57550cc96cc" xsi:nil="true"/>
-    <LocRecommendedHandoff xmlns="4873beb7-5857-4685-be1f-d57550cc96cc" xsi:nil="true"/>
-    <BusinessGroup xmlns="4873beb7-5857-4685-be1f-d57550cc96cc" xsi:nil="true"/>
-    <BlockPublish xmlns="4873beb7-5857-4685-be1f-d57550cc96cc">false</BlockPublish>
-    <TPFriendlyName xmlns="4873beb7-5857-4685-be1f-d57550cc96cc" xsi:nil="true"/>
-    <NumericId xmlns="4873beb7-5857-4685-be1f-d57550cc96cc" xsi:nil="true"/>
-    <APEditor xmlns="4873beb7-5857-4685-be1f-d57550cc96cc">
-      <UserInfo>
-        <DisplayName/>
-        <AccountId xsi:nil="true"/>
-        <AccountType/>
-      </UserInfo>
-    </APEditor>
-    <SourceTitle xmlns="4873beb7-5857-4685-be1f-d57550cc96cc" xsi:nil="true"/>
-    <OpenTemplate xmlns="4873beb7-5857-4685-be1f-d57550cc96cc">true</OpenTemplate>
-    <UALocComments xmlns="4873beb7-5857-4685-be1f-d57550cc96cc" xsi:nil="true"/>
-    <ParentAssetId xmlns="4873beb7-5857-4685-be1f-d57550cc96cc" xsi:nil="true"/>
-    <IntlLangReviewDate xmlns="4873beb7-5857-4685-be1f-d57550cc96cc" xsi:nil="true"/>
-    <FeatureTagsTaxHTField0 xmlns="4873beb7-5857-4685-be1f-d57550cc96cc">
-      <Terms xmlns="http://schemas.microsoft.com/office/infopath/2007/PartnerControls"/>
-    </FeatureTagsTaxHTField0>
-    <PublishStatusLookup xmlns="4873beb7-5857-4685-be1f-d57550cc96cc">
-      <Value>1566889</Value>
-    </PublishStatusLookup>
-    <Providers xmlns="4873beb7-5857-4685-be1f-d57550cc96cc" xsi:nil="true"/>
-    <MachineTranslated xmlns="4873beb7-5857-4685-be1f-d57550cc96cc">false</MachineTranslated>
-    <OriginalSourceMarket xmlns="4873beb7-5857-4685-be1f-d57550cc96cc" xsi:nil="true"/>
-    <APDescription xmlns="4873beb7-5857-4685-be1f-d57550cc96cc" xsi:nil="true"/>
-    <ClipArtFilename xmlns="4873beb7-5857-4685-be1f-d57550cc96cc" xsi:nil="true"/>
-    <ContentItem xmlns="4873beb7-5857-4685-be1f-d57550cc96cc" xsi:nil="true"/>
-    <TPInstallLocation xmlns="4873beb7-5857-4685-be1f-d57550cc96cc" xsi:nil="true"/>
-    <PublishTargets xmlns="4873beb7-5857-4685-be1f-d57550cc96cc">OfficeOnlineVNext</PublishTargets>
-    <TimesCloned xmlns="4873beb7-5857-4685-be1f-d57550cc96cc" xsi:nil="true"/>
-    <AssetStart xmlns="4873beb7-5857-4685-be1f-d57550cc96cc">2012-05-23T08:44:00+00:00</AssetStart>
-    <Provider xmlns="4873beb7-5857-4685-be1f-d57550cc96cc" xsi:nil="true"/>
-    <AcquiredFrom xmlns="4873beb7-5857-4685-be1f-d57550cc96cc">Internal MS</AcquiredFrom>
-    <FriendlyTitle xmlns="4873beb7-5857-4685-be1f-d57550cc96cc" xsi:nil="true"/>
-    <LastHandOff xmlns="4873beb7-5857-4685-be1f-d57550cc96cc" xsi:nil="true"/>
-    <TPClientViewer xmlns="4873beb7-5857-4685-be1f-d57550cc96cc" xsi:nil="true"/>
-    <UACurrentWords xmlns="4873beb7-5857-4685-be1f-d57550cc96cc" xsi:nil="true"/>
-    <ArtSampleDocs xmlns="4873beb7-5857-4685-be1f-d57550cc96cc" xsi:nil="true"/>
-    <UALocRecommendation xmlns="4873beb7-5857-4685-be1f-d57550cc96cc">Localize</UALocRecommendation>
-    <Manager xmlns="4873beb7-5857-4685-be1f-d57550cc96cc" xsi:nil="true"/>
-    <ShowIn xmlns="4873beb7-5857-4685-be1f-d57550cc96cc">Show everywhere</ShowIn>
-    <UANotes xmlns="4873beb7-5857-4685-be1f-d57550cc96cc" xsi:nil="true"/>
-    <TemplateStatus xmlns="4873beb7-5857-4685-be1f-d57550cc96cc">Complete</TemplateStatus>
-    <InternalTagsTaxHTField0 xmlns="4873beb7-5857-4685-be1f-d57550cc96cc">
-      <Terms xmlns="http://schemas.microsoft.com/office/infopath/2007/PartnerControls"/>
-    </InternalTagsTaxHTField0>
-    <CSXHash xmlns="4873beb7-5857-4685-be1f-d57550cc96cc" xsi:nil="true"/>
-    <Downloads xmlns="4873beb7-5857-4685-be1f-d57550cc96cc">0</Downloads>
-    <VoteCount xmlns="4873beb7-5857-4685-be1f-d57550cc96cc" xsi:nil="true"/>
-    <OOCacheId xmlns="4873beb7-5857-4685-be1f-d57550cc96cc" xsi:nil="true"/>
-    <IsDeleted xmlns="4873beb7-5857-4685-be1f-d57550cc96cc">false</IsDeleted>
-    <AssetExpire xmlns="4873beb7-5857-4685-be1f-d57550cc96cc">2029-01-01T08:00:00+00:00</AssetExpire>
-    <DSATActionTaken xmlns="4873beb7-5857-4685-be1f-d57550cc96cc" xsi:nil="true"/>
-    <CSXSubmissionMarket xmlns="4873beb7-5857-4685-be1f-d57550cc96cc" xsi:nil="true"/>
-    <TPExecutable xmlns="4873beb7-5857-4685-be1f-d57550cc96cc" xsi:nil="true"/>
-    <SubmitterId xmlns="4873beb7-5857-4685-be1f-d57550cc96cc" xsi:nil="true"/>
-    <EditorialTags xmlns="4873beb7-5857-4685-be1f-d57550cc96cc" xsi:nil="true"/>
-    <ApprovalLog xmlns="4873beb7-5857-4685-be1f-d57550cc96cc" xsi:nil="true"/>
-    <AssetType xmlns="4873beb7-5857-4685-be1f-d57550cc96cc">TP</AssetType>
-    <BugNumber xmlns="4873beb7-5857-4685-be1f-d57550cc96cc" xsi:nil="true"/>
-    <CSXSubmissionDate xmlns="4873beb7-5857-4685-be1f-d57550cc96cc" xsi:nil="true"/>
-    <CSXUpdate xmlns="4873beb7-5857-4685-be1f-d57550cc96cc">false</CSXUpdate>
-    <Milestone xmlns="4873beb7-5857-4685-be1f-d57550cc96cc" xsi:nil="true"/>
-    <RecommendationsModifier xmlns="4873beb7-5857-4685-be1f-d57550cc96cc" xsi:nil="true"/>
-    <OriginAsset xmlns="4873beb7-5857-4685-be1f-d57550cc96cc" xsi:nil="true"/>
-    <TPComponent xmlns="4873beb7-5857-4685-be1f-d57550cc96cc" xsi:nil="true"/>
-    <AssetId xmlns="4873beb7-5857-4685-be1f-d57550cc96cc">TP102901017</AssetId>
-    <IntlLocPriority xmlns="4873beb7-5857-4685-be1f-d57550cc96cc" xsi:nil="true"/>
-    <PolicheckWords xmlns="4873beb7-5857-4685-be1f-d57550cc96cc" xsi:nil="true"/>
-    <TPLaunchHelpLink xmlns="4873beb7-5857-4685-be1f-d57550cc96cc" xsi:nil="true"/>
-    <TPApplication xmlns="4873beb7-5857-4685-be1f-d57550cc96cc" xsi:nil="true"/>
-    <CrawlForDependencies xmlns="4873beb7-5857-4685-be1f-d57550cc96cc">false</CrawlForDependencies>
-    <HandoffToMSDN xmlns="4873beb7-5857-4685-be1f-d57550cc96cc" xsi:nil="true"/>
-    <PlannedPubDate xmlns="4873beb7-5857-4685-be1f-d57550cc96cc" xsi:nil="true"/>
-    <IntlLangReviewer xmlns="4873beb7-5857-4685-be1f-d57550cc96cc" xsi:nil="true"/>
-    <TrustLevel xmlns="4873beb7-5857-4685-be1f-d57550cc96cc">1 Microsoft Managed Content</TrustLevel>
-    <LocLastLocAttemptVersionLookup xmlns="4873beb7-5857-4685-be1f-d57550cc96cc">836753</LocLastLocAttemptVersionLookup>
-    <IsSearchable xmlns="4873beb7-5857-4685-be1f-d57550cc96cc">true</IsSearchable>
-    <TemplateTemplateType xmlns="4873beb7-5857-4685-be1f-d57550cc96cc">PowerPoint Design Template</TemplateTemplateType>
-    <CampaignTagsTaxHTField0 xmlns="4873beb7-5857-4685-be1f-d57550cc96cc">
-      <Terms xmlns="http://schemas.microsoft.com/office/infopath/2007/PartnerControls"/>
-    </CampaignTagsTaxHTField0>
-    <TPNamespace xmlns="4873beb7-5857-4685-be1f-d57550cc96cc" xsi:nil="true"/>
-    <TaxCatchAll xmlns="4873beb7-5857-4685-be1f-d57550cc96cc"/>
-    <Markets xmlns="4873beb7-5857-4685-be1f-d57550cc96cc"/>
-    <UAProjectedTotalWords xmlns="4873beb7-5857-4685-be1f-d57550cc96cc" xsi:nil="true"/>
-    <IntlLangReview xmlns="4873beb7-5857-4685-be1f-d57550cc96cc">false</IntlLangReview>
-    <OutputCachingOn xmlns="4873beb7-5857-4685-be1f-d57550cc96cc">false</OutputCachingOn>
-    <AverageRating xmlns="4873beb7-5857-4685-be1f-d57550cc96cc" xsi:nil="true"/>
-    <APAuthor xmlns="4873beb7-5857-4685-be1f-d57550cc96cc">
-      <UserInfo>
-        <DisplayName>REDMOND\v-anij</DisplayName>
-        <AccountId>2469</AccountId>
-        <AccountType/>
-      </UserInfo>
-    </APAuthor>
-    <LocManualTestRequired xmlns="4873beb7-5857-4685-be1f-d57550cc96cc">false</LocManualTestRequired>
-    <TPCommandLine xmlns="4873beb7-5857-4685-be1f-d57550cc96cc" xsi:nil="true"/>
-    <TPAppVersion xmlns="4873beb7-5857-4685-be1f-d57550cc96cc" xsi:nil="true"/>
-    <EditorialStatus xmlns="4873beb7-5857-4685-be1f-d57550cc96cc">Complete</EditorialStatus>
-    <LastModifiedDateTime xmlns="4873beb7-5857-4685-be1f-d57550cc96cc" xsi:nil="true"/>
-    <ScenarioTagsTaxHTField0 xmlns="4873beb7-5857-4685-be1f-d57550cc96cc">
-      <Terms xmlns="http://schemas.microsoft.com/office/infopath/2007/PartnerControls"/>
-    </ScenarioTagsTaxHTField0>
-    <OriginalRelease xmlns="4873beb7-5857-4685-be1f-d57550cc96cc">15</OriginalRelease>
-    <TPLaunchHelpLinkType xmlns="4873beb7-5857-4685-be1f-d57550cc96cc">Template</TPLaunchHelpLinkType>
-    <LocalizationTagsTaxHTField0 xmlns="4873beb7-5857-4685-be1f-d57550cc96cc">
-      <Terms xmlns="http://schemas.microsoft.com/office/infopath/2007/PartnerControls"/>
-    </LocalizationTagsTaxHTField0>
-    <LocMarketGroupTiers2 xmlns="4873beb7-5857-4685-be1f-d57550cc96cc" xsi:nil="true"/>
-  </documentManagement>
-</p:properties>
-</file>
-
-<file path=customXml/item3.xml><?xml version="1.0" encoding="utf-8"?>
 <ct:contentTypeSchema xmlns:ct="http://schemas.microsoft.com/office/2006/metadata/contentType" xmlns:ma="http://schemas.microsoft.com/office/2006/metadata/properties/metaAttributes" ct:_="" ma:_="" ma:contentTypeName="TemplateFile" ma:contentTypeID="0x0101006EDDDB5EE6D98C44930B742096920B300400F5B6D36B3EF94B4E9A635CDF2A18F5B8" ma:contentTypeVersion="72" ma:contentTypeDescription="Create a new document." ma:contentTypeScope="" ma:versionID="a23e56308344d904b51738559c3d67c9">
   <xsd:schema xmlns:xsd="http://www.w3.org/2001/XMLSchema" xmlns:xs="http://www.w3.org/2001/XMLSchema" xmlns:p="http://schemas.microsoft.com/office/2006/metadata/properties" xmlns:ns2="4873beb7-5857-4685-be1f-d57550cc96cc" targetNamespace="http://schemas.microsoft.com/office/2006/metadata/properties" ma:root="true" ma:fieldsID="cd0908cc4600e77bf5da051303e00c8d" ns2:_="">
     <xsd:import namespace="4873beb7-5857-4685-be1f-d57550cc96cc"/>
@@ -13237,10 +14049,155 @@
 </ct:contentTypeSchema>
 </file>
 
+<file path=customXml/item2.xml><?xml version="1.0" encoding="utf-8"?>
+<p:properties xmlns:p="http://schemas.microsoft.com/office/2006/metadata/properties" xmlns:xsi="http://www.w3.org/2001/XMLSchema-instance" xmlns:pc="http://schemas.microsoft.com/office/infopath/2007/PartnerControls">
+  <documentManagement>
+    <DirectSourceMarket xmlns="4873beb7-5857-4685-be1f-d57550cc96cc" xsi:nil="true"/>
+    <ApprovalStatus xmlns="4873beb7-5857-4685-be1f-d57550cc96cc">InProgress</ApprovalStatus>
+    <MarketSpecific xmlns="4873beb7-5857-4685-be1f-d57550cc96cc">false</MarketSpecific>
+    <LocComments xmlns="4873beb7-5857-4685-be1f-d57550cc96cc" xsi:nil="true"/>
+    <ThumbnailAssetId xmlns="4873beb7-5857-4685-be1f-d57550cc96cc" xsi:nil="true"/>
+    <PrimaryImageGen xmlns="4873beb7-5857-4685-be1f-d57550cc96cc">true</PrimaryImageGen>
+    <LegacyData xmlns="4873beb7-5857-4685-be1f-d57550cc96cc" xsi:nil="true"/>
+    <LocRecommendedHandoff xmlns="4873beb7-5857-4685-be1f-d57550cc96cc" xsi:nil="true"/>
+    <BusinessGroup xmlns="4873beb7-5857-4685-be1f-d57550cc96cc" xsi:nil="true"/>
+    <BlockPublish xmlns="4873beb7-5857-4685-be1f-d57550cc96cc">false</BlockPublish>
+    <TPFriendlyName xmlns="4873beb7-5857-4685-be1f-d57550cc96cc" xsi:nil="true"/>
+    <NumericId xmlns="4873beb7-5857-4685-be1f-d57550cc96cc" xsi:nil="true"/>
+    <APEditor xmlns="4873beb7-5857-4685-be1f-d57550cc96cc">
+      <UserInfo>
+        <DisplayName/>
+        <AccountId xsi:nil="true"/>
+        <AccountType/>
+      </UserInfo>
+    </APEditor>
+    <SourceTitle xmlns="4873beb7-5857-4685-be1f-d57550cc96cc" xsi:nil="true"/>
+    <OpenTemplate xmlns="4873beb7-5857-4685-be1f-d57550cc96cc">true</OpenTemplate>
+    <UALocComments xmlns="4873beb7-5857-4685-be1f-d57550cc96cc" xsi:nil="true"/>
+    <ParentAssetId xmlns="4873beb7-5857-4685-be1f-d57550cc96cc" xsi:nil="true"/>
+    <IntlLangReviewDate xmlns="4873beb7-5857-4685-be1f-d57550cc96cc" xsi:nil="true"/>
+    <FeatureTagsTaxHTField0 xmlns="4873beb7-5857-4685-be1f-d57550cc96cc">
+      <Terms xmlns="http://schemas.microsoft.com/office/infopath/2007/PartnerControls"/>
+    </FeatureTagsTaxHTField0>
+    <PublishStatusLookup xmlns="4873beb7-5857-4685-be1f-d57550cc96cc">
+      <Value>1566889</Value>
+    </PublishStatusLookup>
+    <Providers xmlns="4873beb7-5857-4685-be1f-d57550cc96cc" xsi:nil="true"/>
+    <MachineTranslated xmlns="4873beb7-5857-4685-be1f-d57550cc96cc">false</MachineTranslated>
+    <OriginalSourceMarket xmlns="4873beb7-5857-4685-be1f-d57550cc96cc" xsi:nil="true"/>
+    <APDescription xmlns="4873beb7-5857-4685-be1f-d57550cc96cc" xsi:nil="true"/>
+    <ClipArtFilename xmlns="4873beb7-5857-4685-be1f-d57550cc96cc" xsi:nil="true"/>
+    <ContentItem xmlns="4873beb7-5857-4685-be1f-d57550cc96cc" xsi:nil="true"/>
+    <TPInstallLocation xmlns="4873beb7-5857-4685-be1f-d57550cc96cc" xsi:nil="true"/>
+    <PublishTargets xmlns="4873beb7-5857-4685-be1f-d57550cc96cc">OfficeOnlineVNext</PublishTargets>
+    <TimesCloned xmlns="4873beb7-5857-4685-be1f-d57550cc96cc" xsi:nil="true"/>
+    <AssetStart xmlns="4873beb7-5857-4685-be1f-d57550cc96cc">2012-05-23T08:44:00+00:00</AssetStart>
+    <Provider xmlns="4873beb7-5857-4685-be1f-d57550cc96cc" xsi:nil="true"/>
+    <AcquiredFrom xmlns="4873beb7-5857-4685-be1f-d57550cc96cc">Internal MS</AcquiredFrom>
+    <FriendlyTitle xmlns="4873beb7-5857-4685-be1f-d57550cc96cc" xsi:nil="true"/>
+    <LastHandOff xmlns="4873beb7-5857-4685-be1f-d57550cc96cc" xsi:nil="true"/>
+    <TPClientViewer xmlns="4873beb7-5857-4685-be1f-d57550cc96cc" xsi:nil="true"/>
+    <UACurrentWords xmlns="4873beb7-5857-4685-be1f-d57550cc96cc" xsi:nil="true"/>
+    <ArtSampleDocs xmlns="4873beb7-5857-4685-be1f-d57550cc96cc" xsi:nil="true"/>
+    <UALocRecommendation xmlns="4873beb7-5857-4685-be1f-d57550cc96cc">Localize</UALocRecommendation>
+    <Manager xmlns="4873beb7-5857-4685-be1f-d57550cc96cc" xsi:nil="true"/>
+    <ShowIn xmlns="4873beb7-5857-4685-be1f-d57550cc96cc">Show everywhere</ShowIn>
+    <UANotes xmlns="4873beb7-5857-4685-be1f-d57550cc96cc" xsi:nil="true"/>
+    <TemplateStatus xmlns="4873beb7-5857-4685-be1f-d57550cc96cc">Complete</TemplateStatus>
+    <InternalTagsTaxHTField0 xmlns="4873beb7-5857-4685-be1f-d57550cc96cc">
+      <Terms xmlns="http://schemas.microsoft.com/office/infopath/2007/PartnerControls"/>
+    </InternalTagsTaxHTField0>
+    <CSXHash xmlns="4873beb7-5857-4685-be1f-d57550cc96cc" xsi:nil="true"/>
+    <Downloads xmlns="4873beb7-5857-4685-be1f-d57550cc96cc">0</Downloads>
+    <VoteCount xmlns="4873beb7-5857-4685-be1f-d57550cc96cc" xsi:nil="true"/>
+    <OOCacheId xmlns="4873beb7-5857-4685-be1f-d57550cc96cc" xsi:nil="true"/>
+    <IsDeleted xmlns="4873beb7-5857-4685-be1f-d57550cc96cc">false</IsDeleted>
+    <AssetExpire xmlns="4873beb7-5857-4685-be1f-d57550cc96cc">2029-01-01T08:00:00+00:00</AssetExpire>
+    <DSATActionTaken xmlns="4873beb7-5857-4685-be1f-d57550cc96cc" xsi:nil="true"/>
+    <CSXSubmissionMarket xmlns="4873beb7-5857-4685-be1f-d57550cc96cc" xsi:nil="true"/>
+    <TPExecutable xmlns="4873beb7-5857-4685-be1f-d57550cc96cc" xsi:nil="true"/>
+    <SubmitterId xmlns="4873beb7-5857-4685-be1f-d57550cc96cc" xsi:nil="true"/>
+    <EditorialTags xmlns="4873beb7-5857-4685-be1f-d57550cc96cc" xsi:nil="true"/>
+    <ApprovalLog xmlns="4873beb7-5857-4685-be1f-d57550cc96cc" xsi:nil="true"/>
+    <AssetType xmlns="4873beb7-5857-4685-be1f-d57550cc96cc">TP</AssetType>
+    <BugNumber xmlns="4873beb7-5857-4685-be1f-d57550cc96cc" xsi:nil="true"/>
+    <CSXSubmissionDate xmlns="4873beb7-5857-4685-be1f-d57550cc96cc" xsi:nil="true"/>
+    <CSXUpdate xmlns="4873beb7-5857-4685-be1f-d57550cc96cc">false</CSXUpdate>
+    <Milestone xmlns="4873beb7-5857-4685-be1f-d57550cc96cc" xsi:nil="true"/>
+    <RecommendationsModifier xmlns="4873beb7-5857-4685-be1f-d57550cc96cc" xsi:nil="true"/>
+    <OriginAsset xmlns="4873beb7-5857-4685-be1f-d57550cc96cc" xsi:nil="true"/>
+    <TPComponent xmlns="4873beb7-5857-4685-be1f-d57550cc96cc" xsi:nil="true"/>
+    <AssetId xmlns="4873beb7-5857-4685-be1f-d57550cc96cc">TP102901017</AssetId>
+    <IntlLocPriority xmlns="4873beb7-5857-4685-be1f-d57550cc96cc" xsi:nil="true"/>
+    <PolicheckWords xmlns="4873beb7-5857-4685-be1f-d57550cc96cc" xsi:nil="true"/>
+    <TPLaunchHelpLink xmlns="4873beb7-5857-4685-be1f-d57550cc96cc" xsi:nil="true"/>
+    <TPApplication xmlns="4873beb7-5857-4685-be1f-d57550cc96cc" xsi:nil="true"/>
+    <CrawlForDependencies xmlns="4873beb7-5857-4685-be1f-d57550cc96cc">false</CrawlForDependencies>
+    <HandoffToMSDN xmlns="4873beb7-5857-4685-be1f-d57550cc96cc" xsi:nil="true"/>
+    <PlannedPubDate xmlns="4873beb7-5857-4685-be1f-d57550cc96cc" xsi:nil="true"/>
+    <IntlLangReviewer xmlns="4873beb7-5857-4685-be1f-d57550cc96cc" xsi:nil="true"/>
+    <TrustLevel xmlns="4873beb7-5857-4685-be1f-d57550cc96cc">1 Microsoft Managed Content</TrustLevel>
+    <LocLastLocAttemptVersionLookup xmlns="4873beb7-5857-4685-be1f-d57550cc96cc">836753</LocLastLocAttemptVersionLookup>
+    <IsSearchable xmlns="4873beb7-5857-4685-be1f-d57550cc96cc">true</IsSearchable>
+    <TemplateTemplateType xmlns="4873beb7-5857-4685-be1f-d57550cc96cc">PowerPoint Design Template</TemplateTemplateType>
+    <CampaignTagsTaxHTField0 xmlns="4873beb7-5857-4685-be1f-d57550cc96cc">
+      <Terms xmlns="http://schemas.microsoft.com/office/infopath/2007/PartnerControls"/>
+    </CampaignTagsTaxHTField0>
+    <TPNamespace xmlns="4873beb7-5857-4685-be1f-d57550cc96cc" xsi:nil="true"/>
+    <TaxCatchAll xmlns="4873beb7-5857-4685-be1f-d57550cc96cc"/>
+    <Markets xmlns="4873beb7-5857-4685-be1f-d57550cc96cc"/>
+    <UAProjectedTotalWords xmlns="4873beb7-5857-4685-be1f-d57550cc96cc" xsi:nil="true"/>
+    <IntlLangReview xmlns="4873beb7-5857-4685-be1f-d57550cc96cc">false</IntlLangReview>
+    <OutputCachingOn xmlns="4873beb7-5857-4685-be1f-d57550cc96cc">false</OutputCachingOn>
+    <AverageRating xmlns="4873beb7-5857-4685-be1f-d57550cc96cc" xsi:nil="true"/>
+    <APAuthor xmlns="4873beb7-5857-4685-be1f-d57550cc96cc">
+      <UserInfo>
+        <DisplayName>REDMOND\v-anij</DisplayName>
+        <AccountId>2469</AccountId>
+        <AccountType/>
+      </UserInfo>
+    </APAuthor>
+    <LocManualTestRequired xmlns="4873beb7-5857-4685-be1f-d57550cc96cc">false</LocManualTestRequired>
+    <TPCommandLine xmlns="4873beb7-5857-4685-be1f-d57550cc96cc" xsi:nil="true"/>
+    <TPAppVersion xmlns="4873beb7-5857-4685-be1f-d57550cc96cc" xsi:nil="true"/>
+    <EditorialStatus xmlns="4873beb7-5857-4685-be1f-d57550cc96cc">Complete</EditorialStatus>
+    <LastModifiedDateTime xmlns="4873beb7-5857-4685-be1f-d57550cc96cc" xsi:nil="true"/>
+    <ScenarioTagsTaxHTField0 xmlns="4873beb7-5857-4685-be1f-d57550cc96cc">
+      <Terms xmlns="http://schemas.microsoft.com/office/infopath/2007/PartnerControls"/>
+    </ScenarioTagsTaxHTField0>
+    <OriginalRelease xmlns="4873beb7-5857-4685-be1f-d57550cc96cc">15</OriginalRelease>
+    <TPLaunchHelpLinkType xmlns="4873beb7-5857-4685-be1f-d57550cc96cc">Template</TPLaunchHelpLinkType>
+    <LocalizationTagsTaxHTField0 xmlns="4873beb7-5857-4685-be1f-d57550cc96cc">
+      <Terms xmlns="http://schemas.microsoft.com/office/infopath/2007/PartnerControls"/>
+    </LocalizationTagsTaxHTField0>
+    <LocMarketGroupTiers2 xmlns="4873beb7-5857-4685-be1f-d57550cc96cc" xsi:nil="true"/>
+  </documentManagement>
+</p:properties>
+</file>
+
+<file path=customXml/item3.xml><?xml version="1.0" encoding="utf-8"?>
+<?mso-contentType ?>
+<FormTemplates xmlns="http://schemas.microsoft.com/sharepoint/v3/contenttype/forms">
+  <Display>DocumentLibraryForm</Display>
+  <Edit>AssetEditForm</Edit>
+  <New>DocumentLibraryForm</New>
+</FormTemplates>
+</file>
+
 <file path=customXml/itemProps1.xml><?xml version="1.0" encoding="utf-8"?>
-<ds:datastoreItem xmlns:ds="http://schemas.openxmlformats.org/officeDocument/2006/customXml" ds:itemID="{746CFF6F-D9AA-4BC0-911A-0A1356771912}">
+<ds:datastoreItem xmlns:ds="http://schemas.openxmlformats.org/officeDocument/2006/customXml" ds:itemID="{0B5C6E15-39DC-470B-9445-F754B9458020}">
   <ds:schemaRefs>
-    <ds:schemaRef ds:uri="http://schemas.microsoft.com/sharepoint/v3/contenttype/forms"/>
+    <ds:schemaRef ds:uri="http://schemas.microsoft.com/office/2006/metadata/contentType"/>
+    <ds:schemaRef ds:uri="http://schemas.microsoft.com/office/2006/metadata/properties/metaAttributes"/>
+    <ds:schemaRef ds:uri="http://www.w3.org/2001/XMLSchema"/>
+    <ds:schemaRef ds:uri="http://schemas.microsoft.com/office/2006/metadata/properties"/>
+    <ds:schemaRef ds:uri="4873beb7-5857-4685-be1f-d57550cc96cc"/>
+    <ds:schemaRef ds:uri="http://schemas.microsoft.com/office/2006/documentManagement/types"/>
+    <ds:schemaRef ds:uri="http://schemas.microsoft.com/office/infopath/2007/PartnerControls"/>
+    <ds:schemaRef ds:uri="http://schemas.openxmlformats.org/package/2006/metadata/core-properties"/>
+    <ds:schemaRef ds:uri="http://purl.org/dc/elements/1.1/"/>
+    <ds:schemaRef ds:uri="http://purl.org/dc/terms/"/>
+    <ds:schemaRef ds:uri="http://schemas.microsoft.com/internal/obd"/>
   </ds:schemaRefs>
 </ds:datastoreItem>
 </file>
@@ -13262,19 +14219,9 @@
 </file>
 
 <file path=customXml/itemProps3.xml><?xml version="1.0" encoding="utf-8"?>
-<ds:datastoreItem xmlns:ds="http://schemas.openxmlformats.org/officeDocument/2006/customXml" ds:itemID="{0B5C6E15-39DC-470B-9445-F754B9458020}">
+<ds:datastoreItem xmlns:ds="http://schemas.openxmlformats.org/officeDocument/2006/customXml" ds:itemID="{746CFF6F-D9AA-4BC0-911A-0A1356771912}">
   <ds:schemaRefs>
-    <ds:schemaRef ds:uri="http://schemas.microsoft.com/office/2006/metadata/contentType"/>
-    <ds:schemaRef ds:uri="http://schemas.microsoft.com/office/2006/metadata/properties/metaAttributes"/>
-    <ds:schemaRef ds:uri="http://www.w3.org/2001/XMLSchema"/>
-    <ds:schemaRef ds:uri="http://schemas.microsoft.com/office/2006/metadata/properties"/>
-    <ds:schemaRef ds:uri="4873beb7-5857-4685-be1f-d57550cc96cc"/>
-    <ds:schemaRef ds:uri="http://schemas.microsoft.com/office/2006/documentManagement/types"/>
-    <ds:schemaRef ds:uri="http://schemas.microsoft.com/office/infopath/2007/PartnerControls"/>
-    <ds:schemaRef ds:uri="http://schemas.openxmlformats.org/package/2006/metadata/core-properties"/>
-    <ds:schemaRef ds:uri="http://purl.org/dc/elements/1.1/"/>
-    <ds:schemaRef ds:uri="http://purl.org/dc/terms/"/>
-    <ds:schemaRef ds:uri="http://schemas.microsoft.com/internal/obd"/>
+    <ds:schemaRef ds:uri="http://schemas.microsoft.com/sharepoint/v3/contenttype/forms"/>
   </ds:schemaRefs>
 </ds:datastoreItem>
 </file>
--- a/Indywidualny projekt programistyczny Sebastian Mielczarek.pptx
+++ b/Indywidualny projekt programistyczny Sebastian Mielczarek.pptx
@@ -5,19 +5,18 @@
     <p:sldMasterId id="2147483648" r:id="rId4"/>
   </p:sldMasterIdLst>
   <p:notesMasterIdLst>
-    <p:notesMasterId r:id="rId12"/>
+    <p:notesMasterId r:id="rId11"/>
   </p:notesMasterIdLst>
   <p:handoutMasterIdLst>
-    <p:handoutMasterId r:id="rId13"/>
+    <p:handoutMasterId r:id="rId12"/>
   </p:handoutMasterIdLst>
   <p:sldIdLst>
     <p:sldId id="256" r:id="rId5"/>
     <p:sldId id="265" r:id="rId6"/>
-    <p:sldId id="266" r:id="rId7"/>
-    <p:sldId id="269" r:id="rId8"/>
-    <p:sldId id="271" r:id="rId9"/>
-    <p:sldId id="272" r:id="rId10"/>
-    <p:sldId id="270" r:id="rId11"/>
+    <p:sldId id="271" r:id="rId7"/>
+    <p:sldId id="272" r:id="rId8"/>
+    <p:sldId id="269" r:id="rId9"/>
+    <p:sldId id="270" r:id="rId10"/>
   </p:sldIdLst>
   <p:sldSz cx="12192000" cy="6858000"/>
   <p:notesSz cx="6858000" cy="9144000"/>
@@ -2438,8 +2437,8 @@
     <dgm:cxn modelId="{25B66A08-E57F-429F-A076-5691EC284D95}" type="presOf" srcId="{33BF0E2A-2B00-40A5-832E-FC800DCA5982}" destId="{73DBFA1A-3823-4209-9CD6-DBDD456F39FB}" srcOrd="0" destOrd="0" presId="urn:microsoft.com/office/officeart/2005/8/layout/lProcess1"/>
     <dgm:cxn modelId="{73058351-9FAC-4F4F-A5FB-FC365EDF9D02}" type="presOf" srcId="{C53CC6D8-DEFC-45FD-8207-E1ECCC27EA85}" destId="{22D8E0AF-322E-4A8E-BC3C-6E9E9A51F58F}" srcOrd="0" destOrd="0" presId="urn:microsoft.com/office/officeart/2005/8/layout/lProcess1"/>
     <dgm:cxn modelId="{C5ACDE9A-E5B2-4365-9164-09D8A29F70BA}" srcId="{B9B4843D-858D-4EFF-8ADD-6722856585D8}" destId="{3387A1AF-1EBE-4108-8721-EF183EAF2E1E}" srcOrd="2" destOrd="0" parTransId="{A65EF6D9-C69E-4F7B-80D1-2A35132A62EF}" sibTransId="{FE3B26DD-8E20-4728-B72B-497B40BBBF89}"/>
+    <dgm:cxn modelId="{56BC1AE2-F755-4481-A23F-10B6B19B8E6B}" type="presOf" srcId="{C4A3C193-6871-4053-9E20-7C8C1E0C2C90}" destId="{2375EC10-68F9-4FEB-9611-D9F0E52630E2}" srcOrd="0" destOrd="0" presId="urn:microsoft.com/office/officeart/2005/8/layout/lProcess1"/>
     <dgm:cxn modelId="{3EF97A2F-4200-46E4-86EB-19980AD436FE}" type="presOf" srcId="{CD410504-9F7F-47AE-B46E-CE985680360F}" destId="{85447532-8740-4202-B6A5-AE63748B9291}" srcOrd="0" destOrd="0" presId="urn:microsoft.com/office/officeart/2005/8/layout/lProcess1"/>
-    <dgm:cxn modelId="{56BC1AE2-F755-4481-A23F-10B6B19B8E6B}" type="presOf" srcId="{C4A3C193-6871-4053-9E20-7C8C1E0C2C90}" destId="{2375EC10-68F9-4FEB-9611-D9F0E52630E2}" srcOrd="0" destOrd="0" presId="urn:microsoft.com/office/officeart/2005/8/layout/lProcess1"/>
     <dgm:cxn modelId="{710659EC-6706-425F-81BB-5F1E070F7D4D}" srcId="{516A4DDC-76BD-494E-B503-625555CCBC4A}" destId="{C4FF5CFA-9CEF-4C34-984A-CC28F232798F}" srcOrd="1" destOrd="0" parTransId="{92813948-C227-4EB2-8530-43003E3CB375}" sibTransId="{B551F8FA-E415-4EE1-BA68-D13E7D2E980B}"/>
     <dgm:cxn modelId="{95C2672F-88C4-4EF3-80EE-DDFF1FF782F0}" type="presOf" srcId="{4415F1E8-DA5A-491E-8227-BF9FE21700A1}" destId="{22B0AB91-9405-4CAC-AE03-BAB1CF85465C}" srcOrd="0" destOrd="0" presId="urn:microsoft.com/office/officeart/2005/8/layout/lProcess1"/>
     <dgm:cxn modelId="{4C0FCDC2-1B02-4F4D-BD0D-A5F4C9929EB8}" srcId="{820B8CB3-073C-4942-8937-0725078D603C}" destId="{86B4D238-F65B-4B82-BE80-00CAC20FA7A9}" srcOrd="0" destOrd="0" parTransId="{A71244FA-46CD-460A-8869-145FB1DC8EE8}" sibTransId="{416C9396-0F49-4B52-B213-5889D7769E99}"/>
@@ -7171,7 +7170,7 @@
             <a:fld id="{8EEAACC0-1D53-4937-B5B6-943F5B649E78}" type="datetime1">
               <a:rPr lang="pl-PL" smtClean="0"/>
               <a:pPr algn="r" rtl="0"/>
-              <a:t>16.06.2021</a:t>
+              <a:t>17.06.2021</a:t>
             </a:fld>
             <a:endParaRPr lang="pl-PL" dirty="0"/>
           </a:p>
@@ -7341,7 +7340,7 @@
             <a:fld id="{AF62D56D-93BF-446C-92F8-B7649CF0BD83}" type="datetime1">
               <a:rPr lang="pl-PL" smtClean="0"/>
               <a:pPr/>
-              <a:t>16.06.2021</a:t>
+              <a:t>17.06.2021</a:t>
             </a:fld>
             <a:endParaRPr lang="pl-PL" dirty="0"/>
           </a:p>
@@ -8004,7 +8003,7 @@
             <a:fld id="{164B9ED1-4439-42B8-936D-418068E91386}" type="datetime1">
               <a:rPr lang="pl-PL" smtClean="0"/>
               <a:pPr/>
-              <a:t>16.06.2021</a:t>
+              <a:t>17.06.2021</a:t>
             </a:fld>
             <a:endParaRPr lang="pl-PL" dirty="0"/>
           </a:p>
@@ -8211,7 +8210,7 @@
             <a:fld id="{7B133A6D-75FE-41DC-B308-29A4C2F31980}" type="datetime1">
               <a:rPr lang="pl-PL" smtClean="0"/>
               <a:pPr/>
-              <a:t>16.06.2021</a:t>
+              <a:t>17.06.2021</a:t>
             </a:fld>
             <a:endParaRPr lang="pl-PL" dirty="0"/>
           </a:p>
@@ -8412,7 +8411,7 @@
             <a:fld id="{D6F312A1-8AF5-4F8F-B86E-E0090837DDFA}" type="datetime1">
               <a:rPr lang="pl-PL" smtClean="0"/>
               <a:pPr/>
-              <a:t>16.06.2021</a:t>
+              <a:t>17.06.2021</a:t>
             </a:fld>
             <a:endParaRPr lang="pl-PL" dirty="0"/>
           </a:p>
@@ -8890,7 +8889,7 @@
             <a:fld id="{E5B9C52F-2583-481C-BF55-6C7B8AC0CEC7}" type="datetime1">
               <a:rPr lang="pl-PL" smtClean="0"/>
               <a:pPr/>
-              <a:t>16.06.2021</a:t>
+              <a:t>17.06.2021</a:t>
             </a:fld>
             <a:endParaRPr lang="pl-PL" dirty="0"/>
           </a:p>
@@ -9357,7 +9356,7 @@
             <a:fld id="{7A3BDCA2-0C18-4F7A-9EEA-05E901DAF6E5}" type="datetime1">
               <a:rPr lang="pl-PL" smtClean="0"/>
               <a:pPr/>
-              <a:t>16.06.2021</a:t>
+              <a:t>17.06.2021</a:t>
             </a:fld>
             <a:endParaRPr lang="pl-PL" dirty="0"/>
           </a:p>
@@ -9502,7 +9501,7 @@
             <a:fld id="{CF152542-C316-4755-9C00-E51BDA55B993}" type="datetime1">
               <a:rPr lang="pl-PL" smtClean="0"/>
               <a:pPr/>
-              <a:t>16.06.2021</a:t>
+              <a:t>17.06.2021</a:t>
             </a:fld>
             <a:endParaRPr lang="pl-PL" dirty="0"/>
           </a:p>
@@ -9619,7 +9618,7 @@
             <a:fld id="{63AA7B18-3145-41D6-B7B5-1DA59129EFA4}" type="datetime1">
               <a:rPr lang="pl-PL" smtClean="0"/>
               <a:pPr/>
-              <a:t>16.06.2021</a:t>
+              <a:t>17.06.2021</a:t>
             </a:fld>
             <a:endParaRPr lang="pl-PL" dirty="0"/>
           </a:p>
@@ -9926,7 +9925,7 @@
             <a:fld id="{FA29F2AC-271F-4D73-96D9-9D8FC4E5FC27}" type="datetime1">
               <a:rPr lang="pl-PL" smtClean="0"/>
               <a:pPr/>
-              <a:t>16.06.2021</a:t>
+              <a:t>17.06.2021</a:t>
             </a:fld>
             <a:endParaRPr lang="pl-PL" dirty="0"/>
           </a:p>
@@ -10263,7 +10262,7 @@
             <a:fld id="{A837A9A2-F64B-4B8D-A7C0-2D27CFBDFC65}" type="datetime1">
               <a:rPr lang="pl-PL" smtClean="0"/>
               <a:pPr/>
-              <a:t>16.06.2021</a:t>
+              <a:t>17.06.2021</a:t>
             </a:fld>
             <a:endParaRPr lang="pl-PL" dirty="0"/>
           </a:p>
@@ -10495,7 +10494,7 @@
             <a:fld id="{7FBC864A-9C2E-4E43-ACD2-5538C33972C8}" type="datetime1">
               <a:rPr lang="pl-PL" smtClean="0"/>
               <a:pPr/>
-              <a:t>16.06.2021</a:t>
+              <a:t>17.06.2021</a:t>
             </a:fld>
             <a:endParaRPr lang="pl-PL" dirty="0"/>
           </a:p>
@@ -11014,7 +11013,6 @@
               <a:rPr lang="pl-PL" dirty="0" smtClean="0"/>
               <a:t>Prezentacja projektu </a:t>
             </a:r>
-            <a:endParaRPr lang="pl-PL" dirty="0" smtClean="0"/>
           </a:p>
           <a:p>
             <a:pPr rtl="0"/>
@@ -11119,22 +11117,39 @@
             <a:pPr rtl="0"/>
             <a:r>
               <a:rPr lang="pl-PL" dirty="0" smtClean="0"/>
-              <a:t>Program będzie miał kilka najpopularniejszych lub moim zdaniem najciekawszych algorytmów do wyboru z listy oraz chciałbym zawrzeć tam krótki opis każdego algorytmu,</a:t>
+              <a:t>Program </a:t>
             </a:r>
+            <a:r>
+              <a:rPr lang="pl-PL" dirty="0" smtClean="0"/>
+              <a:t>posiada 9 najpopularniejszych oraz moim </a:t>
+            </a:r>
+            <a:r>
+              <a:rPr lang="pl-PL" dirty="0" smtClean="0"/>
+              <a:t>zdaniem najciekawszych algorytmów do wyboru z </a:t>
+            </a:r>
+            <a:r>
+              <a:rPr lang="pl-PL" dirty="0" smtClean="0"/>
+              <a:t>listy,</a:t>
+            </a:r>
+            <a:endParaRPr lang="pl-PL" dirty="0" smtClean="0"/>
           </a:p>
           <a:p>
             <a:pPr rtl="0"/>
             <a:r>
               <a:rPr lang="pl-PL" dirty="0" smtClean="0"/>
-              <a:t>Dane do posortowania będą tworzyć się losowo lecz będzie też możliwość umieszczenia swoich </a:t>
+              <a:t>Dane do posortowania </a:t>
             </a:r>
             <a:r>
               <a:rPr lang="pl-PL" dirty="0" smtClean="0"/>
-              <a:t>wartości</a:t>
+              <a:t>tworzą </a:t>
             </a:r>
             <a:r>
               <a:rPr lang="pl-PL" dirty="0" smtClean="0"/>
-              <a:t>,</a:t>
+              <a:t>się losowo lecz </a:t>
+            </a:r>
+            <a:r>
+              <a:rPr lang="pl-PL" dirty="0" smtClean="0"/>
+              <a:t>jest też możliwość dodania własnych danych z pliku txt</a:t>
             </a:r>
             <a:endParaRPr lang="pl-PL" dirty="0"/>
           </a:p>
@@ -11142,23 +11157,32 @@
             <a:pPr rtl="0"/>
             <a:r>
               <a:rPr lang="pl-PL" dirty="0" smtClean="0"/>
-              <a:t>Użytkownik również będzie miał wpływ na prędkość animacji,</a:t>
+              <a:t>Istnieje możliwość sterowania prędkością sortowania aby lepiej przyjrzeć się działaniu algorytmu</a:t>
+            </a:r>
+            <a:r>
+              <a:rPr lang="pl-PL" dirty="0" smtClean="0"/>
+              <a:t>,</a:t>
+            </a:r>
+            <a:endParaRPr lang="pl-PL" dirty="0" smtClean="0"/>
+          </a:p>
+          <a:p>
+            <a:pPr rtl="0"/>
+            <a:r>
+              <a:rPr lang="pl-PL" dirty="0" smtClean="0"/>
+              <a:t>Dane które są losowane można ograniczyć w zakresach minimalna – maksymalna wartość oraz można ustawić rozmiar tablicy z danymi,</a:t>
             </a:r>
           </a:p>
           <a:p>
             <a:pPr rtl="0"/>
             <a:r>
               <a:rPr lang="pl-PL" dirty="0" smtClean="0"/>
-              <a:t>Losowe dane będzie można również ograniczać lub sama liczba danych będzie możliwa do </a:t>
+              <a:t>Istnieje zakładka z opisem oraz cechami wszystkich algorytmów</a:t>
             </a:r>
             <a:r>
               <a:rPr lang="pl-PL" dirty="0" smtClean="0"/>
-              <a:t>zmiany</a:t>
+              <a:t> </a:t>
             </a:r>
-            <a:r>
-              <a:rPr lang="pl-PL" dirty="0" smtClean="0"/>
-              <a:t>,</a:t>
-            </a:r>
+            <a:endParaRPr lang="pl-PL" dirty="0" smtClean="0"/>
           </a:p>
           <a:p>
             <a:pPr marL="0" indent="0" rtl="0">
@@ -11197,409 +11221,6 @@
 </file>
 
 <file path=ppt/slides/slide3.xml><?xml version="1.0" encoding="utf-8"?>
-<p:sld xmlns:a="http://schemas.openxmlformats.org/drawingml/2006/main" xmlns:r="http://schemas.openxmlformats.org/officeDocument/2006/relationships" xmlns:p="http://schemas.openxmlformats.org/presentationml/2006/main">
-  <p:cSld>
-    <p:spTree>
-      <p:nvGrpSpPr>
-        <p:cNvPr id="1" name=""/>
-        <p:cNvGrpSpPr/>
-        <p:nvPr/>
-      </p:nvGrpSpPr>
-      <p:grpSpPr>
-        <a:xfrm>
-          <a:off x="0" y="0"/>
-          <a:ext cx="0" cy="0"/>
-          <a:chOff x="0" y="0"/>
-          <a:chExt cx="0" cy="0"/>
-        </a:xfrm>
-      </p:grpSpPr>
-      <p:sp>
-        <p:nvSpPr>
-          <p:cNvPr id="2" name="Tytuł 1"/>
-          <p:cNvSpPr>
-            <a:spLocks noGrp="1"/>
-          </p:cNvSpPr>
-          <p:nvPr>
-            <p:ph type="title"/>
-          </p:nvPr>
-        </p:nvSpPr>
-        <p:spPr/>
-        <p:txBody>
-          <a:bodyPr rtlCol="0"/>
-          <a:lstStyle/>
-          <a:p>
-            <a:pPr algn="ctr" rtl="0"/>
-            <a:r>
-              <a:rPr lang="pl-PL" dirty="0" smtClean="0"/>
-              <a:t>Przykładowe wizualizacje</a:t>
-            </a:r>
-            <a:endParaRPr lang="pl-PL" dirty="0"/>
-          </a:p>
-        </p:txBody>
-      </p:sp>
-      <p:pic>
-        <p:nvPicPr>
-          <p:cNvPr id="4" name="Symbol zastępczy zawartości 3"/>
-          <p:cNvPicPr>
-            <a:picLocks noGrp="1" noChangeAspect="1"/>
-          </p:cNvPicPr>
-          <p:nvPr>
-            <p:ph idx="1"/>
-          </p:nvPr>
-        </p:nvPicPr>
-        <p:blipFill>
-          <a:blip r:embed="rId2"/>
-          <a:stretch>
-            <a:fillRect/>
-          </a:stretch>
-        </p:blipFill>
-        <p:spPr>
-          <a:xfrm>
-            <a:off x="164457" y="1633867"/>
-            <a:ext cx="5958474" cy="3340968"/>
-          </a:xfrm>
-          <a:prstGeom prst="rect">
-            <a:avLst/>
-          </a:prstGeom>
-        </p:spPr>
-      </p:pic>
-      <p:sp>
-        <p:nvSpPr>
-          <p:cNvPr id="5" name="Prostokąt 4"/>
-          <p:cNvSpPr/>
-          <p:nvPr/>
-        </p:nvSpPr>
-        <p:spPr>
-          <a:xfrm>
-            <a:off x="-21134" y="5085184"/>
-            <a:ext cx="4637808" cy="369332"/>
-          </a:xfrm>
-          <a:prstGeom prst="rect">
-            <a:avLst/>
-          </a:prstGeom>
-        </p:spPr>
-        <p:txBody>
-          <a:bodyPr wrap="none">
-            <a:spAutoFit/>
-          </a:bodyPr>
-          <a:lstStyle/>
-          <a:p>
-            <a:r>
-              <a:rPr lang="pl-PL" b="1" dirty="0" smtClean="0"/>
-              <a:t>Źródło: </a:t>
-            </a:r>
-            <a:r>
-              <a:rPr lang="pl-PL" dirty="0" smtClean="0"/>
-              <a:t>youtube.com/</a:t>
-            </a:r>
-            <a:r>
-              <a:rPr lang="pl-PL" dirty="0" err="1" smtClean="0"/>
-              <a:t>watch?v</a:t>
-            </a:r>
-            <a:r>
-              <a:rPr lang="pl-PL" dirty="0" smtClean="0"/>
-              <a:t>=kPRA0W1kECg</a:t>
-            </a:r>
-            <a:endParaRPr lang="pl-PL" dirty="0"/>
-          </a:p>
-        </p:txBody>
-      </p:sp>
-      <p:pic>
-        <p:nvPicPr>
-          <p:cNvPr id="6" name="Obraz 5"/>
-          <p:cNvPicPr>
-            <a:picLocks noChangeAspect="1"/>
-          </p:cNvPicPr>
-          <p:nvPr/>
-        </p:nvPicPr>
-        <p:blipFill>
-          <a:blip r:embed="rId3">
-            <a:extLst>
-              <a:ext uri="{28A0092B-C50C-407E-A947-70E740481C1C}">
-                <a14:useLocalDpi xmlns:a14="http://schemas.microsoft.com/office/drawing/2010/main" val="0"/>
-              </a:ext>
-            </a:extLst>
-          </a:blip>
-          <a:stretch>
-            <a:fillRect/>
-          </a:stretch>
-        </p:blipFill>
-        <p:spPr>
-          <a:xfrm>
-            <a:off x="7608168" y="1667534"/>
-            <a:ext cx="3528392" cy="3273634"/>
-          </a:xfrm>
-          <a:prstGeom prst="rect">
-            <a:avLst/>
-          </a:prstGeom>
-        </p:spPr>
-      </p:pic>
-      <p:sp>
-        <p:nvSpPr>
-          <p:cNvPr id="7" name="Prostokąt 6"/>
-          <p:cNvSpPr/>
-          <p:nvPr/>
-        </p:nvSpPr>
-        <p:spPr>
-          <a:xfrm>
-            <a:off x="7216064" y="5085184"/>
-            <a:ext cx="4568568" cy="1200329"/>
-          </a:xfrm>
-          <a:prstGeom prst="rect">
-            <a:avLst/>
-          </a:prstGeom>
-        </p:spPr>
-        <p:txBody>
-          <a:bodyPr wrap="square">
-            <a:spAutoFit/>
-          </a:bodyPr>
-          <a:lstStyle/>
-          <a:p>
-            <a:r>
-              <a:rPr lang="pl-PL" dirty="0" smtClean="0"/>
-              <a:t>Źródło: mathematica.stackexchange.com/</a:t>
-            </a:r>
-            <a:r>
-              <a:rPr lang="pl-PL" dirty="0" err="1" smtClean="0"/>
-              <a:t>questions</a:t>
-            </a:r>
-            <a:r>
-              <a:rPr lang="pl-PL" dirty="0" smtClean="0"/>
-              <a:t>/18430/</a:t>
-            </a:r>
-            <a:r>
-              <a:rPr lang="pl-PL" dirty="0" err="1" smtClean="0"/>
-              <a:t>how</a:t>
-            </a:r>
-            <a:r>
-              <a:rPr lang="pl-PL" dirty="0" smtClean="0"/>
-              <a:t>-</a:t>
-            </a:r>
-            <a:r>
-              <a:rPr lang="pl-PL" dirty="0" err="1" smtClean="0"/>
-              <a:t>can</a:t>
-            </a:r>
-            <a:r>
-              <a:rPr lang="pl-PL" dirty="0" smtClean="0"/>
-              <a:t>-i-</a:t>
-            </a:r>
-            <a:r>
-              <a:rPr lang="pl-PL" dirty="0" err="1" smtClean="0"/>
-              <a:t>collect</a:t>
-            </a:r>
-            <a:r>
-              <a:rPr lang="pl-PL" dirty="0" smtClean="0"/>
-              <a:t>-data-for-</a:t>
-            </a:r>
-            <a:r>
-              <a:rPr lang="pl-PL" dirty="0" err="1" smtClean="0"/>
-              <a:t>visualization</a:t>
-            </a:r>
-            <a:r>
-              <a:rPr lang="pl-PL" dirty="0" smtClean="0"/>
-              <a:t>-of-</a:t>
-            </a:r>
-            <a:r>
-              <a:rPr lang="pl-PL" dirty="0" err="1" smtClean="0"/>
-              <a:t>quick</a:t>
-            </a:r>
-            <a:r>
-              <a:rPr lang="pl-PL" dirty="0" smtClean="0"/>
-              <a:t>-sort</a:t>
-            </a:r>
-            <a:endParaRPr lang="pl-PL" dirty="0"/>
-          </a:p>
-        </p:txBody>
-      </p:sp>
-    </p:spTree>
-    <p:extLst>
-      <p:ext uri="{BB962C8B-B14F-4D97-AF65-F5344CB8AC3E}">
-        <p14:creationId xmlns:p14="http://schemas.microsoft.com/office/powerpoint/2010/main" val="2116190161"/>
-      </p:ext>
-    </p:extLst>
-  </p:cSld>
-  <p:clrMapOvr>
-    <a:masterClrMapping/>
-  </p:clrMapOvr>
-  <mc:AlternateContent xmlns:mc="http://schemas.openxmlformats.org/markup-compatibility/2006" xmlns:p14="http://schemas.microsoft.com/office/powerpoint/2010/main">
-    <mc:Choice Requires="p14">
-      <p:transition spd="slow" p14:dur="2000"/>
-    </mc:Choice>
-    <mc:Fallback xmlns="">
-      <p:transition spd="slow"/>
-    </mc:Fallback>
-  </mc:AlternateContent>
-  <p:timing>
-    <p:tnLst>
-      <p:par>
-        <p:cTn id="1" dur="indefinite" restart="never" nodeType="tmRoot"/>
-      </p:par>
-    </p:tnLst>
-  </p:timing>
-</p:sld>
-</file>
-
-<file path=ppt/slides/slide4.xml><?xml version="1.0" encoding="utf-8"?>
-<p:sld xmlns:a="http://schemas.openxmlformats.org/drawingml/2006/main" xmlns:r="http://schemas.openxmlformats.org/officeDocument/2006/relationships" xmlns:p="http://schemas.openxmlformats.org/presentationml/2006/main">
-  <p:cSld>
-    <p:spTree>
-      <p:nvGrpSpPr>
-        <p:cNvPr id="1" name=""/>
-        <p:cNvGrpSpPr/>
-        <p:nvPr/>
-      </p:nvGrpSpPr>
-      <p:grpSpPr>
-        <a:xfrm>
-          <a:off x="0" y="0"/>
-          <a:ext cx="0" cy="0"/>
-          <a:chOff x="0" y="0"/>
-          <a:chExt cx="0" cy="0"/>
-        </a:xfrm>
-      </p:grpSpPr>
-      <p:sp>
-        <p:nvSpPr>
-          <p:cNvPr id="2" name="Tytuł 1"/>
-          <p:cNvSpPr>
-            <a:spLocks noGrp="1"/>
-          </p:cNvSpPr>
-          <p:nvPr>
-            <p:ph type="title"/>
-          </p:nvPr>
-        </p:nvSpPr>
-        <p:spPr>
-          <a:xfrm>
-            <a:off x="1524000" y="620688"/>
-            <a:ext cx="9144000" cy="979512"/>
-          </a:xfrm>
-        </p:spPr>
-        <p:txBody>
-          <a:bodyPr rtlCol="0"/>
-          <a:lstStyle/>
-          <a:p>
-            <a:pPr rtl="0"/>
-            <a:r>
-              <a:rPr lang="pl-PL" dirty="0" smtClean="0"/>
-              <a:t>Harmonogram</a:t>
-            </a:r>
-            <a:endParaRPr lang="pl-PL" dirty="0"/>
-          </a:p>
-        </p:txBody>
-      </p:sp>
-      <p:graphicFrame>
-        <p:nvGraphicFramePr>
-          <p:cNvPr id="9" name="Zawartość — symbol zastępczy 8" descr="Lista procesów" title="SmartArt"/>
-          <p:cNvGraphicFramePr>
-            <a:graphicFrameLocks noGrp="1"/>
-          </p:cNvGraphicFramePr>
-          <p:nvPr>
-            <p:ph idx="1"/>
-            <p:extLst>
-              <p:ext uri="{D42A27DB-BD31-4B8C-83A1-F6EECF244321}">
-                <p14:modId xmlns:p14="http://schemas.microsoft.com/office/powerpoint/2010/main" val="3655555671"/>
-              </p:ext>
-            </p:extLst>
-          </p:nvPr>
-        </p:nvGraphicFramePr>
-        <p:xfrm>
-          <a:off x="335360" y="1772816"/>
-          <a:ext cx="11521280" cy="4323184"/>
-        </p:xfrm>
-        <a:graphic>
-          <a:graphicData uri="http://schemas.openxmlformats.org/drawingml/2006/diagram">
-            <dgm:relIds xmlns:dgm="http://schemas.openxmlformats.org/drawingml/2006/diagram" xmlns:r="http://schemas.openxmlformats.org/officeDocument/2006/relationships" r:dm="rId2" r:lo="rId3" r:qs="rId4" r:cs="rId5"/>
-          </a:graphicData>
-        </a:graphic>
-      </p:graphicFrame>
-      <p:cxnSp>
-        <p:nvCxnSpPr>
-          <p:cNvPr id="4" name="Łącznik prosty 3"/>
-          <p:cNvCxnSpPr/>
-          <p:nvPr/>
-        </p:nvCxnSpPr>
-        <p:spPr>
-          <a:xfrm>
-            <a:off x="6960096" y="2780928"/>
-            <a:ext cx="1656184" cy="1224136"/>
-          </a:xfrm>
-          <a:prstGeom prst="line">
-            <a:avLst/>
-          </a:prstGeom>
-          <a:ln/>
-        </p:spPr>
-        <p:style>
-          <a:lnRef idx="3">
-            <a:schemeClr val="accent5"/>
-          </a:lnRef>
-          <a:fillRef idx="0">
-            <a:schemeClr val="accent5"/>
-          </a:fillRef>
-          <a:effectRef idx="2">
-            <a:schemeClr val="accent5"/>
-          </a:effectRef>
-          <a:fontRef idx="minor">
-            <a:schemeClr val="tx1"/>
-          </a:fontRef>
-        </p:style>
-      </p:cxnSp>
-      <p:cxnSp>
-        <p:nvCxnSpPr>
-          <p:cNvPr id="7" name="Łącznik prosty 6"/>
-          <p:cNvCxnSpPr/>
-          <p:nvPr/>
-        </p:nvCxnSpPr>
-        <p:spPr>
-          <a:xfrm flipH="1">
-            <a:off x="6960096" y="2852936"/>
-            <a:ext cx="1584176" cy="1152128"/>
-          </a:xfrm>
-          <a:prstGeom prst="line">
-            <a:avLst/>
-          </a:prstGeom>
-        </p:spPr>
-        <p:style>
-          <a:lnRef idx="3">
-            <a:schemeClr val="accent5"/>
-          </a:lnRef>
-          <a:fillRef idx="0">
-            <a:schemeClr val="accent5"/>
-          </a:fillRef>
-          <a:effectRef idx="2">
-            <a:schemeClr val="accent5"/>
-          </a:effectRef>
-          <a:fontRef idx="minor">
-            <a:schemeClr val="tx1"/>
-          </a:fontRef>
-        </p:style>
-      </p:cxnSp>
-    </p:spTree>
-    <p:extLst>
-      <p:ext uri="{BB962C8B-B14F-4D97-AF65-F5344CB8AC3E}">
-        <p14:creationId xmlns:p14="http://schemas.microsoft.com/office/powerpoint/2010/main" val="1153027685"/>
-      </p:ext>
-    </p:extLst>
-  </p:cSld>
-  <p:clrMapOvr>
-    <a:masterClrMapping/>
-  </p:clrMapOvr>
-  <mc:AlternateContent xmlns:mc="http://schemas.openxmlformats.org/markup-compatibility/2006" xmlns:p14="http://schemas.microsoft.com/office/powerpoint/2010/main">
-    <mc:Choice Requires="p14">
-      <p:transition spd="slow" p14:dur="2000"/>
-    </mc:Choice>
-    <mc:Fallback xmlns="">
-      <p:transition spd="slow"/>
-    </mc:Fallback>
-  </mc:AlternateContent>
-  <p:timing>
-    <p:tnLst>
-      <p:par>
-        <p:cTn id="1" dur="indefinite" restart="never" nodeType="tmRoot"/>
-      </p:par>
-    </p:tnLst>
-  </p:timing>
-</p:sld>
-</file>
-
-<file path=ppt/slides/slide5.xml><?xml version="1.0" encoding="utf-8"?>
 <p:sld xmlns:a="http://schemas.openxmlformats.org/drawingml/2006/main" xmlns:r="http://schemas.openxmlformats.org/officeDocument/2006/relationships" xmlns:p="http://schemas.openxmlformats.org/presentationml/2006/main">
   <p:cSld>
     <p:spTree>
@@ -11719,18 +11340,25 @@
   <p:clrMapOvr>
     <a:masterClrMapping/>
   </p:clrMapOvr>
-  <mc:AlternateContent xmlns:mc="http://schemas.openxmlformats.org/markup-compatibility/2006">
-    <mc:Choice xmlns:p14="http://schemas.microsoft.com/office/powerpoint/2010/main" Requires="p14">
+  <mc:AlternateContent xmlns:mc="http://schemas.openxmlformats.org/markup-compatibility/2006" xmlns:p14="http://schemas.microsoft.com/office/powerpoint/2010/main">
+    <mc:Choice Requires="p14">
       <p:transition spd="slow" p14:dur="2000"/>
     </mc:Choice>
-    <mc:Fallback>
+    <mc:Fallback xmlns="">
       <p:transition spd="slow"/>
     </mc:Fallback>
   </mc:AlternateContent>
+  <p:timing>
+    <p:tnLst>
+      <p:par>
+        <p:cTn id="1" dur="indefinite" restart="never" nodeType="tmRoot"/>
+      </p:par>
+    </p:tnLst>
+  </p:timing>
 </p:sld>
 </file>
 
-<file path=ppt/slides/slide6.xml><?xml version="1.0" encoding="utf-8"?>
+<file path=ppt/slides/slide4.xml><?xml version="1.0" encoding="utf-8"?>
 <p:sld xmlns:a="http://schemas.openxmlformats.org/drawingml/2006/main" xmlns:r="http://schemas.openxmlformats.org/officeDocument/2006/relationships" xmlns:p="http://schemas.openxmlformats.org/presentationml/2006/main">
   <p:cSld>
     <p:spTree>
@@ -12146,18 +11774,185 @@
   <p:clrMapOvr>
     <a:masterClrMapping/>
   </p:clrMapOvr>
-  <mc:AlternateContent xmlns:mc="http://schemas.openxmlformats.org/markup-compatibility/2006">
-    <mc:Choice xmlns:p14="http://schemas.microsoft.com/office/powerpoint/2010/main" Requires="p14">
+  <mc:AlternateContent xmlns:mc="http://schemas.openxmlformats.org/markup-compatibility/2006" xmlns:p14="http://schemas.microsoft.com/office/powerpoint/2010/main">
+    <mc:Choice Requires="p14">
       <p:transition spd="slow" p14:dur="2000"/>
     </mc:Choice>
-    <mc:Fallback>
+    <mc:Fallback xmlns="">
       <p:transition spd="slow"/>
     </mc:Fallback>
   </mc:AlternateContent>
+  <p:timing>
+    <p:tnLst>
+      <p:par>
+        <p:cTn id="1" dur="indefinite" restart="never" nodeType="tmRoot"/>
+      </p:par>
+    </p:tnLst>
+  </p:timing>
 </p:sld>
 </file>
 
-<file path=ppt/slides/slide7.xml><?xml version="1.0" encoding="utf-8"?>
+<file path=ppt/slides/slide5.xml><?xml version="1.0" encoding="utf-8"?>
+<p:sld xmlns:a="http://schemas.openxmlformats.org/drawingml/2006/main" xmlns:r="http://schemas.openxmlformats.org/officeDocument/2006/relationships" xmlns:p="http://schemas.openxmlformats.org/presentationml/2006/main">
+  <p:cSld>
+    <p:spTree>
+      <p:nvGrpSpPr>
+        <p:cNvPr id="1" name=""/>
+        <p:cNvGrpSpPr/>
+        <p:nvPr/>
+      </p:nvGrpSpPr>
+      <p:grpSpPr>
+        <a:xfrm>
+          <a:off x="0" y="0"/>
+          <a:ext cx="0" cy="0"/>
+          <a:chOff x="0" y="0"/>
+          <a:chExt cx="0" cy="0"/>
+        </a:xfrm>
+      </p:grpSpPr>
+      <p:sp>
+        <p:nvSpPr>
+          <p:cNvPr id="2" name="Tytuł 1"/>
+          <p:cNvSpPr>
+            <a:spLocks noGrp="1"/>
+          </p:cNvSpPr>
+          <p:nvPr>
+            <p:ph type="title"/>
+          </p:nvPr>
+        </p:nvSpPr>
+        <p:spPr>
+          <a:xfrm>
+            <a:off x="1524000" y="620688"/>
+            <a:ext cx="9144000" cy="979512"/>
+          </a:xfrm>
+        </p:spPr>
+        <p:txBody>
+          <a:bodyPr rtlCol="0"/>
+          <a:lstStyle/>
+          <a:p>
+            <a:pPr rtl="0"/>
+            <a:r>
+              <a:rPr lang="pl-PL" dirty="0" smtClean="0"/>
+              <a:t>Harmonogram</a:t>
+            </a:r>
+            <a:endParaRPr lang="pl-PL" dirty="0"/>
+          </a:p>
+        </p:txBody>
+      </p:sp>
+      <p:graphicFrame>
+        <p:nvGraphicFramePr>
+          <p:cNvPr id="9" name="Zawartość — symbol zastępczy 8" descr="Lista procesów" title="SmartArt"/>
+          <p:cNvGraphicFramePr>
+            <a:graphicFrameLocks noGrp="1"/>
+          </p:cNvGraphicFramePr>
+          <p:nvPr>
+            <p:ph idx="1"/>
+            <p:extLst>
+              <p:ext uri="{D42A27DB-BD31-4B8C-83A1-F6EECF244321}">
+                <p14:modId xmlns:p14="http://schemas.microsoft.com/office/powerpoint/2010/main" val="3655555671"/>
+              </p:ext>
+            </p:extLst>
+          </p:nvPr>
+        </p:nvGraphicFramePr>
+        <p:xfrm>
+          <a:off x="335360" y="1772816"/>
+          <a:ext cx="11521280" cy="4323184"/>
+        </p:xfrm>
+        <a:graphic>
+          <a:graphicData uri="http://schemas.openxmlformats.org/drawingml/2006/diagram">
+            <dgm:relIds xmlns:dgm="http://schemas.openxmlformats.org/drawingml/2006/diagram" xmlns:r="http://schemas.openxmlformats.org/officeDocument/2006/relationships" r:dm="rId2" r:lo="rId3" r:qs="rId4" r:cs="rId5"/>
+          </a:graphicData>
+        </a:graphic>
+      </p:graphicFrame>
+      <p:cxnSp>
+        <p:nvCxnSpPr>
+          <p:cNvPr id="4" name="Łącznik prosty 3"/>
+          <p:cNvCxnSpPr/>
+          <p:nvPr/>
+        </p:nvCxnSpPr>
+        <p:spPr>
+          <a:xfrm>
+            <a:off x="6960096" y="2780928"/>
+            <a:ext cx="1656184" cy="1224136"/>
+          </a:xfrm>
+          <a:prstGeom prst="line">
+            <a:avLst/>
+          </a:prstGeom>
+          <a:ln/>
+        </p:spPr>
+        <p:style>
+          <a:lnRef idx="3">
+            <a:schemeClr val="accent5"/>
+          </a:lnRef>
+          <a:fillRef idx="0">
+            <a:schemeClr val="accent5"/>
+          </a:fillRef>
+          <a:effectRef idx="2">
+            <a:schemeClr val="accent5"/>
+          </a:effectRef>
+          <a:fontRef idx="minor">
+            <a:schemeClr val="tx1"/>
+          </a:fontRef>
+        </p:style>
+      </p:cxnSp>
+      <p:cxnSp>
+        <p:nvCxnSpPr>
+          <p:cNvPr id="7" name="Łącznik prosty 6"/>
+          <p:cNvCxnSpPr/>
+          <p:nvPr/>
+        </p:nvCxnSpPr>
+        <p:spPr>
+          <a:xfrm flipH="1">
+            <a:off x="6960096" y="2852936"/>
+            <a:ext cx="1584176" cy="1152128"/>
+          </a:xfrm>
+          <a:prstGeom prst="line">
+            <a:avLst/>
+          </a:prstGeom>
+        </p:spPr>
+        <p:style>
+          <a:lnRef idx="3">
+            <a:schemeClr val="accent5"/>
+          </a:lnRef>
+          <a:fillRef idx="0">
+            <a:schemeClr val="accent5"/>
+          </a:fillRef>
+          <a:effectRef idx="2">
+            <a:schemeClr val="accent5"/>
+          </a:effectRef>
+          <a:fontRef idx="minor">
+            <a:schemeClr val="tx1"/>
+          </a:fontRef>
+        </p:style>
+      </p:cxnSp>
+    </p:spTree>
+    <p:extLst>
+      <p:ext uri="{BB962C8B-B14F-4D97-AF65-F5344CB8AC3E}">
+        <p14:creationId xmlns:p14="http://schemas.microsoft.com/office/powerpoint/2010/main" val="1153027685"/>
+      </p:ext>
+    </p:extLst>
+  </p:cSld>
+  <p:clrMapOvr>
+    <a:masterClrMapping/>
+  </p:clrMapOvr>
+  <mc:AlternateContent xmlns:mc="http://schemas.openxmlformats.org/markup-compatibility/2006" xmlns:p14="http://schemas.microsoft.com/office/powerpoint/2010/main">
+    <mc:Choice Requires="p14">
+      <p:transition spd="slow" p14:dur="2000"/>
+    </mc:Choice>
+    <mc:Fallback xmlns="">
+      <p:transition spd="slow"/>
+    </mc:Fallback>
+  </mc:AlternateContent>
+  <p:timing>
+    <p:tnLst>
+      <p:par>
+        <p:cTn id="1" dur="indefinite" restart="never" nodeType="tmRoot"/>
+      </p:par>
+    </p:tnLst>
+  </p:timing>
+</p:sld>
+</file>
+
+<file path=ppt/slides/slide6.xml><?xml version="1.0" encoding="utf-8"?>
 <p:sld xmlns:a="http://schemas.openxmlformats.org/drawingml/2006/main" xmlns:r="http://schemas.openxmlformats.org/officeDocument/2006/relationships" xmlns:p="http://schemas.openxmlformats.org/presentationml/2006/main">
   <p:cSld>
     <p:spTree>
@@ -12192,7 +11987,7 @@
             <a:pPr algn="ctr"/>
             <a:r>
               <a:rPr lang="pl-PL" dirty="0" smtClean="0"/>
-              <a:t>Dziękuję za uwagę </a:t>
+              <a:t>Prezentacja projektu</a:t>
             </a:r>
             <a:endParaRPr lang="pl-PL" dirty="0"/>
           </a:p>
@@ -13010,6 +12805,141 @@
 </file>
 
 <file path=customXml/item1.xml><?xml version="1.0" encoding="utf-8"?>
+<?mso-contentType ?>
+<FormTemplates xmlns="http://schemas.microsoft.com/sharepoint/v3/contenttype/forms">
+  <Display>DocumentLibraryForm</Display>
+  <Edit>AssetEditForm</Edit>
+  <New>DocumentLibraryForm</New>
+</FormTemplates>
+</file>
+
+<file path=customXml/item2.xml><?xml version="1.0" encoding="utf-8"?>
+<p:properties xmlns:p="http://schemas.microsoft.com/office/2006/metadata/properties" xmlns:xsi="http://www.w3.org/2001/XMLSchema-instance" xmlns:pc="http://schemas.microsoft.com/office/infopath/2007/PartnerControls">
+  <documentManagement>
+    <DirectSourceMarket xmlns="4873beb7-5857-4685-be1f-d57550cc96cc" xsi:nil="true"/>
+    <ApprovalStatus xmlns="4873beb7-5857-4685-be1f-d57550cc96cc">InProgress</ApprovalStatus>
+    <MarketSpecific xmlns="4873beb7-5857-4685-be1f-d57550cc96cc">false</MarketSpecific>
+    <LocComments xmlns="4873beb7-5857-4685-be1f-d57550cc96cc" xsi:nil="true"/>
+    <ThumbnailAssetId xmlns="4873beb7-5857-4685-be1f-d57550cc96cc" xsi:nil="true"/>
+    <PrimaryImageGen xmlns="4873beb7-5857-4685-be1f-d57550cc96cc">true</PrimaryImageGen>
+    <LegacyData xmlns="4873beb7-5857-4685-be1f-d57550cc96cc" xsi:nil="true"/>
+    <LocRecommendedHandoff xmlns="4873beb7-5857-4685-be1f-d57550cc96cc" xsi:nil="true"/>
+    <BusinessGroup xmlns="4873beb7-5857-4685-be1f-d57550cc96cc" xsi:nil="true"/>
+    <BlockPublish xmlns="4873beb7-5857-4685-be1f-d57550cc96cc">false</BlockPublish>
+    <TPFriendlyName xmlns="4873beb7-5857-4685-be1f-d57550cc96cc" xsi:nil="true"/>
+    <NumericId xmlns="4873beb7-5857-4685-be1f-d57550cc96cc" xsi:nil="true"/>
+    <APEditor xmlns="4873beb7-5857-4685-be1f-d57550cc96cc">
+      <UserInfo>
+        <DisplayName/>
+        <AccountId xsi:nil="true"/>
+        <AccountType/>
+      </UserInfo>
+    </APEditor>
+    <SourceTitle xmlns="4873beb7-5857-4685-be1f-d57550cc96cc" xsi:nil="true"/>
+    <OpenTemplate xmlns="4873beb7-5857-4685-be1f-d57550cc96cc">true</OpenTemplate>
+    <UALocComments xmlns="4873beb7-5857-4685-be1f-d57550cc96cc" xsi:nil="true"/>
+    <ParentAssetId xmlns="4873beb7-5857-4685-be1f-d57550cc96cc" xsi:nil="true"/>
+    <IntlLangReviewDate xmlns="4873beb7-5857-4685-be1f-d57550cc96cc" xsi:nil="true"/>
+    <FeatureTagsTaxHTField0 xmlns="4873beb7-5857-4685-be1f-d57550cc96cc">
+      <Terms xmlns="http://schemas.microsoft.com/office/infopath/2007/PartnerControls"/>
+    </FeatureTagsTaxHTField0>
+    <PublishStatusLookup xmlns="4873beb7-5857-4685-be1f-d57550cc96cc">
+      <Value>1566889</Value>
+    </PublishStatusLookup>
+    <Providers xmlns="4873beb7-5857-4685-be1f-d57550cc96cc" xsi:nil="true"/>
+    <MachineTranslated xmlns="4873beb7-5857-4685-be1f-d57550cc96cc">false</MachineTranslated>
+    <OriginalSourceMarket xmlns="4873beb7-5857-4685-be1f-d57550cc96cc" xsi:nil="true"/>
+    <APDescription xmlns="4873beb7-5857-4685-be1f-d57550cc96cc" xsi:nil="true"/>
+    <ClipArtFilename xmlns="4873beb7-5857-4685-be1f-d57550cc96cc" xsi:nil="true"/>
+    <ContentItem xmlns="4873beb7-5857-4685-be1f-d57550cc96cc" xsi:nil="true"/>
+    <TPInstallLocation xmlns="4873beb7-5857-4685-be1f-d57550cc96cc" xsi:nil="true"/>
+    <PublishTargets xmlns="4873beb7-5857-4685-be1f-d57550cc96cc">OfficeOnlineVNext</PublishTargets>
+    <TimesCloned xmlns="4873beb7-5857-4685-be1f-d57550cc96cc" xsi:nil="true"/>
+    <AssetStart xmlns="4873beb7-5857-4685-be1f-d57550cc96cc">2012-05-23T08:44:00+00:00</AssetStart>
+    <Provider xmlns="4873beb7-5857-4685-be1f-d57550cc96cc" xsi:nil="true"/>
+    <AcquiredFrom xmlns="4873beb7-5857-4685-be1f-d57550cc96cc">Internal MS</AcquiredFrom>
+    <FriendlyTitle xmlns="4873beb7-5857-4685-be1f-d57550cc96cc" xsi:nil="true"/>
+    <LastHandOff xmlns="4873beb7-5857-4685-be1f-d57550cc96cc" xsi:nil="true"/>
+    <TPClientViewer xmlns="4873beb7-5857-4685-be1f-d57550cc96cc" xsi:nil="true"/>
+    <UACurrentWords xmlns="4873beb7-5857-4685-be1f-d57550cc96cc" xsi:nil="true"/>
+    <ArtSampleDocs xmlns="4873beb7-5857-4685-be1f-d57550cc96cc" xsi:nil="true"/>
+    <UALocRecommendation xmlns="4873beb7-5857-4685-be1f-d57550cc96cc">Localize</UALocRecommendation>
+    <Manager xmlns="4873beb7-5857-4685-be1f-d57550cc96cc" xsi:nil="true"/>
+    <ShowIn xmlns="4873beb7-5857-4685-be1f-d57550cc96cc">Show everywhere</ShowIn>
+    <UANotes xmlns="4873beb7-5857-4685-be1f-d57550cc96cc" xsi:nil="true"/>
+    <TemplateStatus xmlns="4873beb7-5857-4685-be1f-d57550cc96cc">Complete</TemplateStatus>
+    <InternalTagsTaxHTField0 xmlns="4873beb7-5857-4685-be1f-d57550cc96cc">
+      <Terms xmlns="http://schemas.microsoft.com/office/infopath/2007/PartnerControls"/>
+    </InternalTagsTaxHTField0>
+    <CSXHash xmlns="4873beb7-5857-4685-be1f-d57550cc96cc" xsi:nil="true"/>
+    <Downloads xmlns="4873beb7-5857-4685-be1f-d57550cc96cc">0</Downloads>
+    <VoteCount xmlns="4873beb7-5857-4685-be1f-d57550cc96cc" xsi:nil="true"/>
+    <OOCacheId xmlns="4873beb7-5857-4685-be1f-d57550cc96cc" xsi:nil="true"/>
+    <IsDeleted xmlns="4873beb7-5857-4685-be1f-d57550cc96cc">false</IsDeleted>
+    <AssetExpire xmlns="4873beb7-5857-4685-be1f-d57550cc96cc">2029-01-01T08:00:00+00:00</AssetExpire>
+    <DSATActionTaken xmlns="4873beb7-5857-4685-be1f-d57550cc96cc" xsi:nil="true"/>
+    <CSXSubmissionMarket xmlns="4873beb7-5857-4685-be1f-d57550cc96cc" xsi:nil="true"/>
+    <TPExecutable xmlns="4873beb7-5857-4685-be1f-d57550cc96cc" xsi:nil="true"/>
+    <SubmitterId xmlns="4873beb7-5857-4685-be1f-d57550cc96cc" xsi:nil="true"/>
+    <EditorialTags xmlns="4873beb7-5857-4685-be1f-d57550cc96cc" xsi:nil="true"/>
+    <ApprovalLog xmlns="4873beb7-5857-4685-be1f-d57550cc96cc" xsi:nil="true"/>
+    <AssetType xmlns="4873beb7-5857-4685-be1f-d57550cc96cc">TP</AssetType>
+    <BugNumber xmlns="4873beb7-5857-4685-be1f-d57550cc96cc" xsi:nil="true"/>
+    <CSXSubmissionDate xmlns="4873beb7-5857-4685-be1f-d57550cc96cc" xsi:nil="true"/>
+    <CSXUpdate xmlns="4873beb7-5857-4685-be1f-d57550cc96cc">false</CSXUpdate>
+    <Milestone xmlns="4873beb7-5857-4685-be1f-d57550cc96cc" xsi:nil="true"/>
+    <RecommendationsModifier xmlns="4873beb7-5857-4685-be1f-d57550cc96cc" xsi:nil="true"/>
+    <OriginAsset xmlns="4873beb7-5857-4685-be1f-d57550cc96cc" xsi:nil="true"/>
+    <TPComponent xmlns="4873beb7-5857-4685-be1f-d57550cc96cc" xsi:nil="true"/>
+    <AssetId xmlns="4873beb7-5857-4685-be1f-d57550cc96cc">TP102901017</AssetId>
+    <IntlLocPriority xmlns="4873beb7-5857-4685-be1f-d57550cc96cc" xsi:nil="true"/>
+    <PolicheckWords xmlns="4873beb7-5857-4685-be1f-d57550cc96cc" xsi:nil="true"/>
+    <TPLaunchHelpLink xmlns="4873beb7-5857-4685-be1f-d57550cc96cc" xsi:nil="true"/>
+    <TPApplication xmlns="4873beb7-5857-4685-be1f-d57550cc96cc" xsi:nil="true"/>
+    <CrawlForDependencies xmlns="4873beb7-5857-4685-be1f-d57550cc96cc">false</CrawlForDependencies>
+    <HandoffToMSDN xmlns="4873beb7-5857-4685-be1f-d57550cc96cc" xsi:nil="true"/>
+    <PlannedPubDate xmlns="4873beb7-5857-4685-be1f-d57550cc96cc" xsi:nil="true"/>
+    <IntlLangReviewer xmlns="4873beb7-5857-4685-be1f-d57550cc96cc" xsi:nil="true"/>
+    <TrustLevel xmlns="4873beb7-5857-4685-be1f-d57550cc96cc">1 Microsoft Managed Content</TrustLevel>
+    <LocLastLocAttemptVersionLookup xmlns="4873beb7-5857-4685-be1f-d57550cc96cc">836753</LocLastLocAttemptVersionLookup>
+    <IsSearchable xmlns="4873beb7-5857-4685-be1f-d57550cc96cc">true</IsSearchable>
+    <TemplateTemplateType xmlns="4873beb7-5857-4685-be1f-d57550cc96cc">PowerPoint Design Template</TemplateTemplateType>
+    <CampaignTagsTaxHTField0 xmlns="4873beb7-5857-4685-be1f-d57550cc96cc">
+      <Terms xmlns="http://schemas.microsoft.com/office/infopath/2007/PartnerControls"/>
+    </CampaignTagsTaxHTField0>
+    <TPNamespace xmlns="4873beb7-5857-4685-be1f-d57550cc96cc" xsi:nil="true"/>
+    <TaxCatchAll xmlns="4873beb7-5857-4685-be1f-d57550cc96cc"/>
+    <Markets xmlns="4873beb7-5857-4685-be1f-d57550cc96cc"/>
+    <UAProjectedTotalWords xmlns="4873beb7-5857-4685-be1f-d57550cc96cc" xsi:nil="true"/>
+    <IntlLangReview xmlns="4873beb7-5857-4685-be1f-d57550cc96cc">false</IntlLangReview>
+    <OutputCachingOn xmlns="4873beb7-5857-4685-be1f-d57550cc96cc">false</OutputCachingOn>
+    <AverageRating xmlns="4873beb7-5857-4685-be1f-d57550cc96cc" xsi:nil="true"/>
+    <APAuthor xmlns="4873beb7-5857-4685-be1f-d57550cc96cc">
+      <UserInfo>
+        <DisplayName>REDMOND\v-anij</DisplayName>
+        <AccountId>2469</AccountId>
+        <AccountType/>
+      </UserInfo>
+    </APAuthor>
+    <LocManualTestRequired xmlns="4873beb7-5857-4685-be1f-d57550cc96cc">false</LocManualTestRequired>
+    <TPCommandLine xmlns="4873beb7-5857-4685-be1f-d57550cc96cc" xsi:nil="true"/>
+    <TPAppVersion xmlns="4873beb7-5857-4685-be1f-d57550cc96cc" xsi:nil="true"/>
+    <EditorialStatus xmlns="4873beb7-5857-4685-be1f-d57550cc96cc">Complete</EditorialStatus>
+    <LastModifiedDateTime xmlns="4873beb7-5857-4685-be1f-d57550cc96cc" xsi:nil="true"/>
+    <ScenarioTagsTaxHTField0 xmlns="4873beb7-5857-4685-be1f-d57550cc96cc">
+      <Terms xmlns="http://schemas.microsoft.com/office/infopath/2007/PartnerControls"/>
+    </ScenarioTagsTaxHTField0>
+    <OriginalRelease xmlns="4873beb7-5857-4685-be1f-d57550cc96cc">15</OriginalRelease>
+    <TPLaunchHelpLinkType xmlns="4873beb7-5857-4685-be1f-d57550cc96cc">Template</TPLaunchHelpLinkType>
+    <LocalizationTagsTaxHTField0 xmlns="4873beb7-5857-4685-be1f-d57550cc96cc">
+      <Terms xmlns="http://schemas.microsoft.com/office/infopath/2007/PartnerControls"/>
+    </LocalizationTagsTaxHTField0>
+    <LocMarketGroupTiers2 xmlns="4873beb7-5857-4685-be1f-d57550cc96cc" xsi:nil="true"/>
+  </documentManagement>
+</p:properties>
+</file>
+
+<file path=customXml/item3.xml><?xml version="1.0" encoding="utf-8"?>
 <ct:contentTypeSchema xmlns:ct="http://schemas.microsoft.com/office/2006/metadata/contentType" xmlns:ma="http://schemas.microsoft.com/office/2006/metadata/properties/metaAttributes" ct:_="" ma:_="" ma:contentTypeName="TemplateFile" ma:contentTypeID="0x0101006EDDDB5EE6D98C44930B742096920B300400F5B6D36B3EF94B4E9A635CDF2A18F5B8" ma:contentTypeVersion="72" ma:contentTypeDescription="Create a new document." ma:contentTypeScope="" ma:versionID="a23e56308344d904b51738559c3d67c9">
   <xsd:schema xmlns:xsd="http://www.w3.org/2001/XMLSchema" xmlns:xs="http://www.w3.org/2001/XMLSchema" xmlns:p="http://schemas.microsoft.com/office/2006/metadata/properties" xmlns:ns2="4873beb7-5857-4685-be1f-d57550cc96cc" targetNamespace="http://schemas.microsoft.com/office/2006/metadata/properties" ma:root="true" ma:fieldsID="cd0908cc4600e77bf5da051303e00c8d" ns2:_="">
     <xsd:import namespace="4873beb7-5857-4685-be1f-d57550cc96cc"/>
@@ -14049,155 +13979,10 @@
 </ct:contentTypeSchema>
 </file>
 
-<file path=customXml/item2.xml><?xml version="1.0" encoding="utf-8"?>
-<p:properties xmlns:p="http://schemas.microsoft.com/office/2006/metadata/properties" xmlns:xsi="http://www.w3.org/2001/XMLSchema-instance" xmlns:pc="http://schemas.microsoft.com/office/infopath/2007/PartnerControls">
-  <documentManagement>
-    <DirectSourceMarket xmlns="4873beb7-5857-4685-be1f-d57550cc96cc" xsi:nil="true"/>
-    <ApprovalStatus xmlns="4873beb7-5857-4685-be1f-d57550cc96cc">InProgress</ApprovalStatus>
-    <MarketSpecific xmlns="4873beb7-5857-4685-be1f-d57550cc96cc">false</MarketSpecific>
-    <LocComments xmlns="4873beb7-5857-4685-be1f-d57550cc96cc" xsi:nil="true"/>
-    <ThumbnailAssetId xmlns="4873beb7-5857-4685-be1f-d57550cc96cc" xsi:nil="true"/>
-    <PrimaryImageGen xmlns="4873beb7-5857-4685-be1f-d57550cc96cc">true</PrimaryImageGen>
-    <LegacyData xmlns="4873beb7-5857-4685-be1f-d57550cc96cc" xsi:nil="true"/>
-    <LocRecommendedHandoff xmlns="4873beb7-5857-4685-be1f-d57550cc96cc" xsi:nil="true"/>
-    <BusinessGroup xmlns="4873beb7-5857-4685-be1f-d57550cc96cc" xsi:nil="true"/>
-    <BlockPublish xmlns="4873beb7-5857-4685-be1f-d57550cc96cc">false</BlockPublish>
-    <TPFriendlyName xmlns="4873beb7-5857-4685-be1f-d57550cc96cc" xsi:nil="true"/>
-    <NumericId xmlns="4873beb7-5857-4685-be1f-d57550cc96cc" xsi:nil="true"/>
-    <APEditor xmlns="4873beb7-5857-4685-be1f-d57550cc96cc">
-      <UserInfo>
-        <DisplayName/>
-        <AccountId xsi:nil="true"/>
-        <AccountType/>
-      </UserInfo>
-    </APEditor>
-    <SourceTitle xmlns="4873beb7-5857-4685-be1f-d57550cc96cc" xsi:nil="true"/>
-    <OpenTemplate xmlns="4873beb7-5857-4685-be1f-d57550cc96cc">true</OpenTemplate>
-    <UALocComments xmlns="4873beb7-5857-4685-be1f-d57550cc96cc" xsi:nil="true"/>
-    <ParentAssetId xmlns="4873beb7-5857-4685-be1f-d57550cc96cc" xsi:nil="true"/>
-    <IntlLangReviewDate xmlns="4873beb7-5857-4685-be1f-d57550cc96cc" xsi:nil="true"/>
-    <FeatureTagsTaxHTField0 xmlns="4873beb7-5857-4685-be1f-d57550cc96cc">
-      <Terms xmlns="http://schemas.microsoft.com/office/infopath/2007/PartnerControls"/>
-    </FeatureTagsTaxHTField0>
-    <PublishStatusLookup xmlns="4873beb7-5857-4685-be1f-d57550cc96cc">
-      <Value>1566889</Value>
-    </PublishStatusLookup>
-    <Providers xmlns="4873beb7-5857-4685-be1f-d57550cc96cc" xsi:nil="true"/>
-    <MachineTranslated xmlns="4873beb7-5857-4685-be1f-d57550cc96cc">false</MachineTranslated>
-    <OriginalSourceMarket xmlns="4873beb7-5857-4685-be1f-d57550cc96cc" xsi:nil="true"/>
-    <APDescription xmlns="4873beb7-5857-4685-be1f-d57550cc96cc" xsi:nil="true"/>
-    <ClipArtFilename xmlns="4873beb7-5857-4685-be1f-d57550cc96cc" xsi:nil="true"/>
-    <ContentItem xmlns="4873beb7-5857-4685-be1f-d57550cc96cc" xsi:nil="true"/>
-    <TPInstallLocation xmlns="4873beb7-5857-4685-be1f-d57550cc96cc" xsi:nil="true"/>
-    <PublishTargets xmlns="4873beb7-5857-4685-be1f-d57550cc96cc">OfficeOnlineVNext</PublishTargets>
-    <TimesCloned xmlns="4873beb7-5857-4685-be1f-d57550cc96cc" xsi:nil="true"/>
-    <AssetStart xmlns="4873beb7-5857-4685-be1f-d57550cc96cc">2012-05-23T08:44:00+00:00</AssetStart>
-    <Provider xmlns="4873beb7-5857-4685-be1f-d57550cc96cc" xsi:nil="true"/>
-    <AcquiredFrom xmlns="4873beb7-5857-4685-be1f-d57550cc96cc">Internal MS</AcquiredFrom>
-    <FriendlyTitle xmlns="4873beb7-5857-4685-be1f-d57550cc96cc" xsi:nil="true"/>
-    <LastHandOff xmlns="4873beb7-5857-4685-be1f-d57550cc96cc" xsi:nil="true"/>
-    <TPClientViewer xmlns="4873beb7-5857-4685-be1f-d57550cc96cc" xsi:nil="true"/>
-    <UACurrentWords xmlns="4873beb7-5857-4685-be1f-d57550cc96cc" xsi:nil="true"/>
-    <ArtSampleDocs xmlns="4873beb7-5857-4685-be1f-d57550cc96cc" xsi:nil="true"/>
-    <UALocRecommendation xmlns="4873beb7-5857-4685-be1f-d57550cc96cc">Localize</UALocRecommendation>
-    <Manager xmlns="4873beb7-5857-4685-be1f-d57550cc96cc" xsi:nil="true"/>
-    <ShowIn xmlns="4873beb7-5857-4685-be1f-d57550cc96cc">Show everywhere</ShowIn>
-    <UANotes xmlns="4873beb7-5857-4685-be1f-d57550cc96cc" xsi:nil="true"/>
-    <TemplateStatus xmlns="4873beb7-5857-4685-be1f-d57550cc96cc">Complete</TemplateStatus>
-    <InternalTagsTaxHTField0 xmlns="4873beb7-5857-4685-be1f-d57550cc96cc">
-      <Terms xmlns="http://schemas.microsoft.com/office/infopath/2007/PartnerControls"/>
-    </InternalTagsTaxHTField0>
-    <CSXHash xmlns="4873beb7-5857-4685-be1f-d57550cc96cc" xsi:nil="true"/>
-    <Downloads xmlns="4873beb7-5857-4685-be1f-d57550cc96cc">0</Downloads>
-    <VoteCount xmlns="4873beb7-5857-4685-be1f-d57550cc96cc" xsi:nil="true"/>
-    <OOCacheId xmlns="4873beb7-5857-4685-be1f-d57550cc96cc" xsi:nil="true"/>
-    <IsDeleted xmlns="4873beb7-5857-4685-be1f-d57550cc96cc">false</IsDeleted>
-    <AssetExpire xmlns="4873beb7-5857-4685-be1f-d57550cc96cc">2029-01-01T08:00:00+00:00</AssetExpire>
-    <DSATActionTaken xmlns="4873beb7-5857-4685-be1f-d57550cc96cc" xsi:nil="true"/>
-    <CSXSubmissionMarket xmlns="4873beb7-5857-4685-be1f-d57550cc96cc" xsi:nil="true"/>
-    <TPExecutable xmlns="4873beb7-5857-4685-be1f-d57550cc96cc" xsi:nil="true"/>
-    <SubmitterId xmlns="4873beb7-5857-4685-be1f-d57550cc96cc" xsi:nil="true"/>
-    <EditorialTags xmlns="4873beb7-5857-4685-be1f-d57550cc96cc" xsi:nil="true"/>
-    <ApprovalLog xmlns="4873beb7-5857-4685-be1f-d57550cc96cc" xsi:nil="true"/>
-    <AssetType xmlns="4873beb7-5857-4685-be1f-d57550cc96cc">TP</AssetType>
-    <BugNumber xmlns="4873beb7-5857-4685-be1f-d57550cc96cc" xsi:nil="true"/>
-    <CSXSubmissionDate xmlns="4873beb7-5857-4685-be1f-d57550cc96cc" xsi:nil="true"/>
-    <CSXUpdate xmlns="4873beb7-5857-4685-be1f-d57550cc96cc">false</CSXUpdate>
-    <Milestone xmlns="4873beb7-5857-4685-be1f-d57550cc96cc" xsi:nil="true"/>
-    <RecommendationsModifier xmlns="4873beb7-5857-4685-be1f-d57550cc96cc" xsi:nil="true"/>
-    <OriginAsset xmlns="4873beb7-5857-4685-be1f-d57550cc96cc" xsi:nil="true"/>
-    <TPComponent xmlns="4873beb7-5857-4685-be1f-d57550cc96cc" xsi:nil="true"/>
-    <AssetId xmlns="4873beb7-5857-4685-be1f-d57550cc96cc">TP102901017</AssetId>
-    <IntlLocPriority xmlns="4873beb7-5857-4685-be1f-d57550cc96cc" xsi:nil="true"/>
-    <PolicheckWords xmlns="4873beb7-5857-4685-be1f-d57550cc96cc" xsi:nil="true"/>
-    <TPLaunchHelpLink xmlns="4873beb7-5857-4685-be1f-d57550cc96cc" xsi:nil="true"/>
-    <TPApplication xmlns="4873beb7-5857-4685-be1f-d57550cc96cc" xsi:nil="true"/>
-    <CrawlForDependencies xmlns="4873beb7-5857-4685-be1f-d57550cc96cc">false</CrawlForDependencies>
-    <HandoffToMSDN xmlns="4873beb7-5857-4685-be1f-d57550cc96cc" xsi:nil="true"/>
-    <PlannedPubDate xmlns="4873beb7-5857-4685-be1f-d57550cc96cc" xsi:nil="true"/>
-    <IntlLangReviewer xmlns="4873beb7-5857-4685-be1f-d57550cc96cc" xsi:nil="true"/>
-    <TrustLevel xmlns="4873beb7-5857-4685-be1f-d57550cc96cc">1 Microsoft Managed Content</TrustLevel>
-    <LocLastLocAttemptVersionLookup xmlns="4873beb7-5857-4685-be1f-d57550cc96cc">836753</LocLastLocAttemptVersionLookup>
-    <IsSearchable xmlns="4873beb7-5857-4685-be1f-d57550cc96cc">true</IsSearchable>
-    <TemplateTemplateType xmlns="4873beb7-5857-4685-be1f-d57550cc96cc">PowerPoint Design Template</TemplateTemplateType>
-    <CampaignTagsTaxHTField0 xmlns="4873beb7-5857-4685-be1f-d57550cc96cc">
-      <Terms xmlns="http://schemas.microsoft.com/office/infopath/2007/PartnerControls"/>
-    </CampaignTagsTaxHTField0>
-    <TPNamespace xmlns="4873beb7-5857-4685-be1f-d57550cc96cc" xsi:nil="true"/>
-    <TaxCatchAll xmlns="4873beb7-5857-4685-be1f-d57550cc96cc"/>
-    <Markets xmlns="4873beb7-5857-4685-be1f-d57550cc96cc"/>
-    <UAProjectedTotalWords xmlns="4873beb7-5857-4685-be1f-d57550cc96cc" xsi:nil="true"/>
-    <IntlLangReview xmlns="4873beb7-5857-4685-be1f-d57550cc96cc">false</IntlLangReview>
-    <OutputCachingOn xmlns="4873beb7-5857-4685-be1f-d57550cc96cc">false</OutputCachingOn>
-    <AverageRating xmlns="4873beb7-5857-4685-be1f-d57550cc96cc" xsi:nil="true"/>
-    <APAuthor xmlns="4873beb7-5857-4685-be1f-d57550cc96cc">
-      <UserInfo>
-        <DisplayName>REDMOND\v-anij</DisplayName>
-        <AccountId>2469</AccountId>
-        <AccountType/>
-      </UserInfo>
-    </APAuthor>
-    <LocManualTestRequired xmlns="4873beb7-5857-4685-be1f-d57550cc96cc">false</LocManualTestRequired>
-    <TPCommandLine xmlns="4873beb7-5857-4685-be1f-d57550cc96cc" xsi:nil="true"/>
-    <TPAppVersion xmlns="4873beb7-5857-4685-be1f-d57550cc96cc" xsi:nil="true"/>
-    <EditorialStatus xmlns="4873beb7-5857-4685-be1f-d57550cc96cc">Complete</EditorialStatus>
-    <LastModifiedDateTime xmlns="4873beb7-5857-4685-be1f-d57550cc96cc" xsi:nil="true"/>
-    <ScenarioTagsTaxHTField0 xmlns="4873beb7-5857-4685-be1f-d57550cc96cc">
-      <Terms xmlns="http://schemas.microsoft.com/office/infopath/2007/PartnerControls"/>
-    </ScenarioTagsTaxHTField0>
-    <OriginalRelease xmlns="4873beb7-5857-4685-be1f-d57550cc96cc">15</OriginalRelease>
-    <TPLaunchHelpLinkType xmlns="4873beb7-5857-4685-be1f-d57550cc96cc">Template</TPLaunchHelpLinkType>
-    <LocalizationTagsTaxHTField0 xmlns="4873beb7-5857-4685-be1f-d57550cc96cc">
-      <Terms xmlns="http://schemas.microsoft.com/office/infopath/2007/PartnerControls"/>
-    </LocalizationTagsTaxHTField0>
-    <LocMarketGroupTiers2 xmlns="4873beb7-5857-4685-be1f-d57550cc96cc" xsi:nil="true"/>
-  </documentManagement>
-</p:properties>
-</file>
-
-<file path=customXml/item3.xml><?xml version="1.0" encoding="utf-8"?>
-<?mso-contentType ?>
-<FormTemplates xmlns="http://schemas.microsoft.com/sharepoint/v3/contenttype/forms">
-  <Display>DocumentLibraryForm</Display>
-  <Edit>AssetEditForm</Edit>
-  <New>DocumentLibraryForm</New>
-</FormTemplates>
-</file>
-
 <file path=customXml/itemProps1.xml><?xml version="1.0" encoding="utf-8"?>
-<ds:datastoreItem xmlns:ds="http://schemas.openxmlformats.org/officeDocument/2006/customXml" ds:itemID="{0B5C6E15-39DC-470B-9445-F754B9458020}">
+<ds:datastoreItem xmlns:ds="http://schemas.openxmlformats.org/officeDocument/2006/customXml" ds:itemID="{746CFF6F-D9AA-4BC0-911A-0A1356771912}">
   <ds:schemaRefs>
-    <ds:schemaRef ds:uri="http://schemas.microsoft.com/office/2006/metadata/contentType"/>
-    <ds:schemaRef ds:uri="http://schemas.microsoft.com/office/2006/metadata/properties/metaAttributes"/>
-    <ds:schemaRef ds:uri="http://www.w3.org/2001/XMLSchema"/>
-    <ds:schemaRef ds:uri="http://schemas.microsoft.com/office/2006/metadata/properties"/>
-    <ds:schemaRef ds:uri="4873beb7-5857-4685-be1f-d57550cc96cc"/>
-    <ds:schemaRef ds:uri="http://schemas.microsoft.com/office/2006/documentManagement/types"/>
-    <ds:schemaRef ds:uri="http://schemas.microsoft.com/office/infopath/2007/PartnerControls"/>
-    <ds:schemaRef ds:uri="http://schemas.openxmlformats.org/package/2006/metadata/core-properties"/>
-    <ds:schemaRef ds:uri="http://purl.org/dc/elements/1.1/"/>
-    <ds:schemaRef ds:uri="http://purl.org/dc/terms/"/>
-    <ds:schemaRef ds:uri="http://schemas.microsoft.com/internal/obd"/>
+    <ds:schemaRef ds:uri="http://schemas.microsoft.com/sharepoint/v3/contenttype/forms"/>
   </ds:schemaRefs>
 </ds:datastoreItem>
 </file>
@@ -14219,9 +14004,19 @@
 </file>
 
 <file path=customXml/itemProps3.xml><?xml version="1.0" encoding="utf-8"?>
-<ds:datastoreItem xmlns:ds="http://schemas.openxmlformats.org/officeDocument/2006/customXml" ds:itemID="{746CFF6F-D9AA-4BC0-911A-0A1356771912}">
+<ds:datastoreItem xmlns:ds="http://schemas.openxmlformats.org/officeDocument/2006/customXml" ds:itemID="{0B5C6E15-39DC-470B-9445-F754B9458020}">
   <ds:schemaRefs>
-    <ds:schemaRef ds:uri="http://schemas.microsoft.com/sharepoint/v3/contenttype/forms"/>
+    <ds:schemaRef ds:uri="http://schemas.microsoft.com/office/2006/metadata/contentType"/>
+    <ds:schemaRef ds:uri="http://schemas.microsoft.com/office/2006/metadata/properties/metaAttributes"/>
+    <ds:schemaRef ds:uri="http://www.w3.org/2001/XMLSchema"/>
+    <ds:schemaRef ds:uri="http://schemas.microsoft.com/office/2006/metadata/properties"/>
+    <ds:schemaRef ds:uri="4873beb7-5857-4685-be1f-d57550cc96cc"/>
+    <ds:schemaRef ds:uri="http://schemas.microsoft.com/office/2006/documentManagement/types"/>
+    <ds:schemaRef ds:uri="http://schemas.microsoft.com/office/infopath/2007/PartnerControls"/>
+    <ds:schemaRef ds:uri="http://schemas.openxmlformats.org/package/2006/metadata/core-properties"/>
+    <ds:schemaRef ds:uri="http://purl.org/dc/elements/1.1/"/>
+    <ds:schemaRef ds:uri="http://purl.org/dc/terms/"/>
+    <ds:schemaRef ds:uri="http://schemas.microsoft.com/internal/obd"/>
   </ds:schemaRefs>
 </ds:datastoreItem>
 </file>